--- a/Презентация по проекту.pptx
+++ b/Презентация по проекту.pptx
@@ -8,7 +8,8 @@
     <p:sldId id="256" r:id="rId2"/>
     <p:sldId id="257" r:id="rId3"/>
     <p:sldId id="260" r:id="rId4"/>
-    <p:sldId id="259" r:id="rId5"/>
+    <p:sldId id="261" r:id="rId5"/>
+    <p:sldId id="259" r:id="rId6"/>
   </p:sldIdLst>
   <p:sldSz cx="12192000" cy="6858000"/>
   <p:notesSz cx="6858000" cy="9144000"/>
@@ -165,7 +166,7 @@
           <a:noFill/>
           <a:extLst>
             <a:ext uri="{909E8E84-426E-40dd-AFC4-6F175D3DCCD1}">
-              <a14:hiddenFill xmlns="" xmlns:a14="http://schemas.microsoft.com/office/drawing/2010/main">
+              <a14:hiddenFill xmlns:a14="http://schemas.microsoft.com/office/drawing/2010/main" xmlns="">
                 <a:solidFill>
                   <a:srgbClr val="FFFFFF"/>
                 </a:solidFill>
@@ -225,7 +226,7 @@
             </a:ln>
             <a:extLst>
               <a:ext uri="{91240B29-F687-4f45-9708-019B960494DF}">
-                <a14:hiddenLine xmlns="" xmlns:a14="http://schemas.microsoft.com/office/drawing/2010/main" w="9525">
+                <a14:hiddenLine xmlns:a14="http://schemas.microsoft.com/office/drawing/2010/main" xmlns="" w="9525">
                   <a:solidFill>
                     <a:srgbClr val="000000"/>
                   </a:solidFill>
@@ -315,7 +316,7 @@
             </a:ln>
             <a:extLst>
               <a:ext uri="{91240B29-F687-4f45-9708-019B960494DF}">
-                <a14:hiddenLine xmlns="" xmlns:a14="http://schemas.microsoft.com/office/drawing/2010/main" w="9525">
+                <a14:hiddenLine xmlns:a14="http://schemas.microsoft.com/office/drawing/2010/main" xmlns="" w="9525">
                   <a:solidFill>
                     <a:srgbClr val="000000"/>
                   </a:solidFill>
@@ -405,7 +406,7 @@
             </a:ln>
             <a:extLst>
               <a:ext uri="{91240B29-F687-4f45-9708-019B960494DF}">
-                <a14:hiddenLine xmlns="" xmlns:a14="http://schemas.microsoft.com/office/drawing/2010/main" w="9525">
+                <a14:hiddenLine xmlns:a14="http://schemas.microsoft.com/office/drawing/2010/main" xmlns="" w="9525">
                   <a:solidFill>
                     <a:srgbClr val="000000"/>
                   </a:solidFill>
@@ -439,7 +440,7 @@
             </a:ln>
             <a:extLst>
               <a:ext uri="{91240B29-F687-4f45-9708-019B960494DF}">
-                <a14:hiddenLine xmlns="" xmlns:a14="http://schemas.microsoft.com/office/drawing/2010/main" w="9525">
+                <a14:hiddenLine xmlns:a14="http://schemas.microsoft.com/office/drawing/2010/main" xmlns="" w="9525">
                   <a:solidFill>
                     <a:srgbClr val="000000"/>
                   </a:solidFill>
@@ -529,7 +530,7 @@
             </a:ln>
             <a:extLst>
               <a:ext uri="{91240B29-F687-4f45-9708-019B960494DF}">
-                <a14:hiddenLine xmlns="" xmlns:a14="http://schemas.microsoft.com/office/drawing/2010/main" w="9525">
+                <a14:hiddenLine xmlns:a14="http://schemas.microsoft.com/office/drawing/2010/main" xmlns="" w="9525">
                   <a:solidFill>
                     <a:srgbClr val="000000"/>
                   </a:solidFill>
@@ -591,7 +592,7 @@
             </a:ln>
             <a:extLst>
               <a:ext uri="{91240B29-F687-4f45-9708-019B960494DF}">
-                <a14:hiddenLine xmlns="" xmlns:a14="http://schemas.microsoft.com/office/drawing/2010/main" w="9525">
+                <a14:hiddenLine xmlns:a14="http://schemas.microsoft.com/office/drawing/2010/main" xmlns="" w="9525">
                   <a:solidFill>
                     <a:srgbClr val="000000"/>
                   </a:solidFill>
@@ -653,7 +654,7 @@
             </a:ln>
             <a:extLst>
               <a:ext uri="{91240B29-F687-4f45-9708-019B960494DF}">
-                <a14:hiddenLine xmlns="" xmlns:a14="http://schemas.microsoft.com/office/drawing/2010/main" w="9525">
+                <a14:hiddenLine xmlns:a14="http://schemas.microsoft.com/office/drawing/2010/main" xmlns="" w="9525">
                   <a:solidFill>
                     <a:srgbClr val="000000"/>
                   </a:solidFill>
@@ -743,7 +744,7 @@
             </a:ln>
             <a:extLst>
               <a:ext uri="{91240B29-F687-4f45-9708-019B960494DF}">
-                <a14:hiddenLine xmlns="" xmlns:a14="http://schemas.microsoft.com/office/drawing/2010/main" w="9525">
+                <a14:hiddenLine xmlns:a14="http://schemas.microsoft.com/office/drawing/2010/main" xmlns="" w="9525">
                   <a:solidFill>
                     <a:srgbClr val="000000"/>
                   </a:solidFill>
@@ -805,7 +806,7 @@
             </a:ln>
             <a:extLst>
               <a:ext uri="{91240B29-F687-4f45-9708-019B960494DF}">
-                <a14:hiddenLine xmlns="" xmlns:a14="http://schemas.microsoft.com/office/drawing/2010/main" w="9525">
+                <a14:hiddenLine xmlns:a14="http://schemas.microsoft.com/office/drawing/2010/main" xmlns="" w="9525">
                   <a:solidFill>
                     <a:srgbClr val="000000"/>
                   </a:solidFill>
@@ -867,7 +868,7 @@
             </a:ln>
             <a:extLst>
               <a:ext uri="{91240B29-F687-4f45-9708-019B960494DF}">
-                <a14:hiddenLine xmlns="" xmlns:a14="http://schemas.microsoft.com/office/drawing/2010/main" w="9525">
+                <a14:hiddenLine xmlns:a14="http://schemas.microsoft.com/office/drawing/2010/main" xmlns="" w="9525">
                   <a:solidFill>
                     <a:srgbClr val="000000"/>
                   </a:solidFill>
@@ -957,7 +958,7 @@
             </a:ln>
             <a:extLst>
               <a:ext uri="{91240B29-F687-4f45-9708-019B960494DF}">
-                <a14:hiddenLine xmlns="" xmlns:a14="http://schemas.microsoft.com/office/drawing/2010/main" w="9525">
+                <a14:hiddenLine xmlns:a14="http://schemas.microsoft.com/office/drawing/2010/main" xmlns="" w="9525">
                   <a:solidFill>
                     <a:srgbClr val="000000"/>
                   </a:solidFill>
@@ -1047,7 +1048,7 @@
             </a:ln>
             <a:extLst>
               <a:ext uri="{91240B29-F687-4f45-9708-019B960494DF}">
-                <a14:hiddenLine xmlns="" xmlns:a14="http://schemas.microsoft.com/office/drawing/2010/main" w="9525">
+                <a14:hiddenLine xmlns:a14="http://schemas.microsoft.com/office/drawing/2010/main" xmlns="" w="9525">
                   <a:solidFill>
                     <a:srgbClr val="000000"/>
                   </a:solidFill>
@@ -1109,7 +1110,7 @@
             </a:ln>
             <a:extLst>
               <a:ext uri="{91240B29-F687-4f45-9708-019B960494DF}">
-                <a14:hiddenLine xmlns="" xmlns:a14="http://schemas.microsoft.com/office/drawing/2010/main" w="9525">
+                <a14:hiddenLine xmlns:a14="http://schemas.microsoft.com/office/drawing/2010/main" xmlns="" w="9525">
                   <a:solidFill>
                     <a:srgbClr val="000000"/>
                   </a:solidFill>
@@ -1219,7 +1220,7 @@
             </a:ln>
             <a:extLst>
               <a:ext uri="{91240B29-F687-4f45-9708-019B960494DF}">
-                <a14:hiddenLine xmlns="" xmlns:a14="http://schemas.microsoft.com/office/drawing/2010/main" w="9525">
+                <a14:hiddenLine xmlns:a14="http://schemas.microsoft.com/office/drawing/2010/main" xmlns="" w="9525">
                   <a:solidFill>
                     <a:srgbClr val="000000"/>
                   </a:solidFill>
@@ -1281,7 +1282,7 @@
             </a:ln>
             <a:extLst>
               <a:ext uri="{91240B29-F687-4f45-9708-019B960494DF}">
-                <a14:hiddenLine xmlns="" xmlns:a14="http://schemas.microsoft.com/office/drawing/2010/main" w="9525">
+                <a14:hiddenLine xmlns:a14="http://schemas.microsoft.com/office/drawing/2010/main" xmlns="" w="9525">
                   <a:solidFill>
                     <a:srgbClr val="000000"/>
                   </a:solidFill>
@@ -1371,7 +1372,7 @@
             </a:ln>
             <a:extLst>
               <a:ext uri="{91240B29-F687-4f45-9708-019B960494DF}">
-                <a14:hiddenLine xmlns="" xmlns:a14="http://schemas.microsoft.com/office/drawing/2010/main" w="9525">
+                <a14:hiddenLine xmlns:a14="http://schemas.microsoft.com/office/drawing/2010/main" xmlns="" w="9525">
                   <a:solidFill>
                     <a:srgbClr val="000000"/>
                   </a:solidFill>
@@ -1461,7 +1462,7 @@
             </a:ln>
             <a:extLst>
               <a:ext uri="{91240B29-F687-4f45-9708-019B960494DF}">
-                <a14:hiddenLine xmlns="" xmlns:a14="http://schemas.microsoft.com/office/drawing/2010/main" w="9525">
+                <a14:hiddenLine xmlns:a14="http://schemas.microsoft.com/office/drawing/2010/main" xmlns="" w="9525">
                   <a:solidFill>
                     <a:srgbClr val="000000"/>
                   </a:solidFill>
@@ -1523,7 +1524,7 @@
             </a:ln>
             <a:extLst>
               <a:ext uri="{91240B29-F687-4f45-9708-019B960494DF}">
-                <a14:hiddenLine xmlns="" xmlns:a14="http://schemas.microsoft.com/office/drawing/2010/main" w="9525">
+                <a14:hiddenLine xmlns:a14="http://schemas.microsoft.com/office/drawing/2010/main" xmlns="" w="9525">
                   <a:solidFill>
                     <a:srgbClr val="000000"/>
                   </a:solidFill>
@@ -1613,7 +1614,7 @@
             </a:ln>
             <a:extLst>
               <a:ext uri="{91240B29-F687-4f45-9708-019B960494DF}">
-                <a14:hiddenLine xmlns="" xmlns:a14="http://schemas.microsoft.com/office/drawing/2010/main" w="9525">
+                <a14:hiddenLine xmlns:a14="http://schemas.microsoft.com/office/drawing/2010/main" xmlns="" w="9525">
                   <a:solidFill>
                     <a:srgbClr val="000000"/>
                   </a:solidFill>
@@ -1703,7 +1704,7 @@
             </a:ln>
             <a:extLst>
               <a:ext uri="{91240B29-F687-4f45-9708-019B960494DF}">
-                <a14:hiddenLine xmlns="" xmlns:a14="http://schemas.microsoft.com/office/drawing/2010/main" w="9525">
+                <a14:hiddenLine xmlns:a14="http://schemas.microsoft.com/office/drawing/2010/main" xmlns="" w="9525">
                   <a:solidFill>
                     <a:srgbClr val="000000"/>
                   </a:solidFill>
@@ -1759,7 +1760,7 @@
             </a:ln>
             <a:extLst>
               <a:ext uri="{91240B29-F687-4f45-9708-019B960494DF}">
-                <a14:hiddenLine xmlns="" xmlns:a14="http://schemas.microsoft.com/office/drawing/2010/main" w="9525">
+                <a14:hiddenLine xmlns:a14="http://schemas.microsoft.com/office/drawing/2010/main" xmlns="" w="9525">
                   <a:solidFill>
                     <a:srgbClr val="000000"/>
                   </a:solidFill>
@@ -1849,7 +1850,7 @@
             </a:ln>
             <a:extLst>
               <a:ext uri="{91240B29-F687-4f45-9708-019B960494DF}">
-                <a14:hiddenLine xmlns="" xmlns:a14="http://schemas.microsoft.com/office/drawing/2010/main" w="9525">
+                <a14:hiddenLine xmlns:a14="http://schemas.microsoft.com/office/drawing/2010/main" xmlns="" w="9525">
                   <a:solidFill>
                     <a:srgbClr val="000000"/>
                   </a:solidFill>
@@ -1905,7 +1906,7 @@
             </a:ln>
             <a:extLst>
               <a:ext uri="{91240B29-F687-4f45-9708-019B960494DF}">
-                <a14:hiddenLine xmlns="" xmlns:a14="http://schemas.microsoft.com/office/drawing/2010/main" w="9525">
+                <a14:hiddenLine xmlns:a14="http://schemas.microsoft.com/office/drawing/2010/main" xmlns="" w="9525">
                   <a:solidFill>
                     <a:srgbClr val="000000"/>
                   </a:solidFill>
@@ -1995,7 +1996,7 @@
             </a:ln>
             <a:extLst>
               <a:ext uri="{91240B29-F687-4f45-9708-019B960494DF}">
-                <a14:hiddenLine xmlns="" xmlns:a14="http://schemas.microsoft.com/office/drawing/2010/main" w="9525">
+                <a14:hiddenLine xmlns:a14="http://schemas.microsoft.com/office/drawing/2010/main" xmlns="" w="9525">
                   <a:solidFill>
                     <a:srgbClr val="000000"/>
                   </a:solidFill>
@@ -2063,7 +2064,7 @@
             </a:ln>
             <a:extLst>
               <a:ext uri="{91240B29-F687-4f45-9708-019B960494DF}">
-                <a14:hiddenLine xmlns="" xmlns:a14="http://schemas.microsoft.com/office/drawing/2010/main" w="9525">
+                <a14:hiddenLine xmlns:a14="http://schemas.microsoft.com/office/drawing/2010/main" xmlns="" w="9525">
                   <a:solidFill>
                     <a:srgbClr val="000000"/>
                   </a:solidFill>
@@ -2153,7 +2154,7 @@
             </a:ln>
             <a:extLst>
               <a:ext uri="{91240B29-F687-4f45-9708-019B960494DF}">
-                <a14:hiddenLine xmlns="" xmlns:a14="http://schemas.microsoft.com/office/drawing/2010/main" w="9525">
+                <a14:hiddenLine xmlns:a14="http://schemas.microsoft.com/office/drawing/2010/main" xmlns="" w="9525">
                   <a:solidFill>
                     <a:srgbClr val="000000"/>
                   </a:solidFill>
@@ -2221,7 +2222,7 @@
             </a:ln>
             <a:extLst>
               <a:ext uri="{91240B29-F687-4f45-9708-019B960494DF}">
-                <a14:hiddenLine xmlns="" xmlns:a14="http://schemas.microsoft.com/office/drawing/2010/main" w="9525">
+                <a14:hiddenLine xmlns:a14="http://schemas.microsoft.com/office/drawing/2010/main" xmlns="" w="9525">
                   <a:solidFill>
                     <a:srgbClr val="000000"/>
                   </a:solidFill>
@@ -2311,7 +2312,7 @@
             </a:ln>
             <a:extLst>
               <a:ext uri="{91240B29-F687-4f45-9708-019B960494DF}">
-                <a14:hiddenLine xmlns="" xmlns:a14="http://schemas.microsoft.com/office/drawing/2010/main" w="9525">
+                <a14:hiddenLine xmlns:a14="http://schemas.microsoft.com/office/drawing/2010/main" xmlns="" w="9525">
                   <a:solidFill>
                     <a:srgbClr val="000000"/>
                   </a:solidFill>
@@ -2345,7 +2346,7 @@
             </a:ln>
             <a:extLst>
               <a:ext uri="{91240B29-F687-4f45-9708-019B960494DF}">
-                <a14:hiddenLine xmlns="" xmlns:a14="http://schemas.microsoft.com/office/drawing/2010/main" w="9525">
+                <a14:hiddenLine xmlns:a14="http://schemas.microsoft.com/office/drawing/2010/main" xmlns="" w="9525">
                   <a:solidFill>
                     <a:srgbClr val="000000"/>
                   </a:solidFill>
@@ -2435,7 +2436,7 @@
             </a:ln>
             <a:extLst>
               <a:ext uri="{91240B29-F687-4f45-9708-019B960494DF}">
-                <a14:hiddenLine xmlns="" xmlns:a14="http://schemas.microsoft.com/office/drawing/2010/main" w="9525">
+                <a14:hiddenLine xmlns:a14="http://schemas.microsoft.com/office/drawing/2010/main" xmlns="" w="9525">
                   <a:solidFill>
                     <a:srgbClr val="000000"/>
                   </a:solidFill>
@@ -2497,7 +2498,7 @@
             </a:ln>
             <a:extLst>
               <a:ext uri="{91240B29-F687-4f45-9708-019B960494DF}">
-                <a14:hiddenLine xmlns="" xmlns:a14="http://schemas.microsoft.com/office/drawing/2010/main" w="9525">
+                <a14:hiddenLine xmlns:a14="http://schemas.microsoft.com/office/drawing/2010/main" xmlns="" w="9525">
                   <a:solidFill>
                     <a:srgbClr val="000000"/>
                   </a:solidFill>
@@ -2559,7 +2560,7 @@
             </a:ln>
             <a:extLst>
               <a:ext uri="{91240B29-F687-4f45-9708-019B960494DF}">
-                <a14:hiddenLine xmlns="" xmlns:a14="http://schemas.microsoft.com/office/drawing/2010/main" w="9525">
+                <a14:hiddenLine xmlns:a14="http://schemas.microsoft.com/office/drawing/2010/main" xmlns="" w="9525">
                   <a:solidFill>
                     <a:srgbClr val="000000"/>
                   </a:solidFill>
@@ -2649,7 +2650,7 @@
             </a:ln>
             <a:extLst>
               <a:ext uri="{91240B29-F687-4f45-9708-019B960494DF}">
-                <a14:hiddenLine xmlns="" xmlns:a14="http://schemas.microsoft.com/office/drawing/2010/main" w="9525">
+                <a14:hiddenLine xmlns:a14="http://schemas.microsoft.com/office/drawing/2010/main" xmlns="" w="9525">
                   <a:solidFill>
                     <a:srgbClr val="000000"/>
                   </a:solidFill>
@@ -2717,7 +2718,7 @@
             </a:ln>
             <a:extLst>
               <a:ext uri="{91240B29-F687-4f45-9708-019B960494DF}">
-                <a14:hiddenLine xmlns="" xmlns:a14="http://schemas.microsoft.com/office/drawing/2010/main" w="9525">
+                <a14:hiddenLine xmlns:a14="http://schemas.microsoft.com/office/drawing/2010/main" xmlns="" w="9525">
                   <a:solidFill>
                     <a:srgbClr val="000000"/>
                   </a:solidFill>
@@ -2779,7 +2780,7 @@
             </a:ln>
             <a:extLst>
               <a:ext uri="{91240B29-F687-4f45-9708-019B960494DF}">
-                <a14:hiddenLine xmlns="" xmlns:a14="http://schemas.microsoft.com/office/drawing/2010/main" w="9525">
+                <a14:hiddenLine xmlns:a14="http://schemas.microsoft.com/office/drawing/2010/main" xmlns="" w="9525">
                   <a:solidFill>
                     <a:srgbClr val="000000"/>
                   </a:solidFill>
@@ -2869,7 +2870,7 @@
             </a:ln>
             <a:extLst>
               <a:ext uri="{91240B29-F687-4f45-9708-019B960494DF}">
-                <a14:hiddenLine xmlns="" xmlns:a14="http://schemas.microsoft.com/office/drawing/2010/main" w="9525">
+                <a14:hiddenLine xmlns:a14="http://schemas.microsoft.com/office/drawing/2010/main" xmlns="" w="9525">
                   <a:solidFill>
                     <a:srgbClr val="000000"/>
                   </a:solidFill>
@@ -2931,7 +2932,7 @@
             </a:ln>
             <a:extLst>
               <a:ext uri="{91240B29-F687-4f45-9708-019B960494DF}">
-                <a14:hiddenLine xmlns="" xmlns:a14="http://schemas.microsoft.com/office/drawing/2010/main" w="9525">
+                <a14:hiddenLine xmlns:a14="http://schemas.microsoft.com/office/drawing/2010/main" xmlns="" w="9525">
                   <a:solidFill>
                     <a:srgbClr val="000000"/>
                   </a:solidFill>
@@ -3021,7 +3022,7 @@
             </a:ln>
             <a:extLst>
               <a:ext uri="{91240B29-F687-4f45-9708-019B960494DF}">
-                <a14:hiddenLine xmlns="" xmlns:a14="http://schemas.microsoft.com/office/drawing/2010/main" w="9525">
+                <a14:hiddenLine xmlns:a14="http://schemas.microsoft.com/office/drawing/2010/main" xmlns="" w="9525">
                   <a:solidFill>
                     <a:srgbClr val="000000"/>
                   </a:solidFill>
@@ -3083,7 +3084,7 @@
             </a:ln>
             <a:extLst>
               <a:ext uri="{91240B29-F687-4f45-9708-019B960494DF}">
-                <a14:hiddenLine xmlns="" xmlns:a14="http://schemas.microsoft.com/office/drawing/2010/main" w="9525">
+                <a14:hiddenLine xmlns:a14="http://schemas.microsoft.com/office/drawing/2010/main" xmlns="" w="9525">
                   <a:solidFill>
                     <a:srgbClr val="000000"/>
                   </a:solidFill>
@@ -3173,7 +3174,7 @@
             </a:ln>
             <a:extLst>
               <a:ext uri="{91240B29-F687-4f45-9708-019B960494DF}">
-                <a14:hiddenLine xmlns="" xmlns:a14="http://schemas.microsoft.com/office/drawing/2010/main" w="9525">
+                <a14:hiddenLine xmlns:a14="http://schemas.microsoft.com/office/drawing/2010/main" xmlns="" w="9525">
                   <a:solidFill>
                     <a:srgbClr val="000000"/>
                   </a:solidFill>
@@ -3207,7 +3208,7 @@
             </a:ln>
             <a:extLst>
               <a:ext uri="{91240B29-F687-4f45-9708-019B960494DF}">
-                <a14:hiddenLine xmlns="" xmlns:a14="http://schemas.microsoft.com/office/drawing/2010/main" w="9525">
+                <a14:hiddenLine xmlns:a14="http://schemas.microsoft.com/office/drawing/2010/main" xmlns="" w="9525">
                   <a:solidFill>
                     <a:srgbClr val="000000"/>
                   </a:solidFill>
@@ -3272,7 +3273,7 @@
             </a:ln>
             <a:extLst>
               <a:ext uri="{91240B29-F687-4f45-9708-019B960494DF}">
-                <a14:hiddenLine xmlns="" xmlns:a14="http://schemas.microsoft.com/office/drawing/2010/main" w="9525">
+                <a14:hiddenLine xmlns:a14="http://schemas.microsoft.com/office/drawing/2010/main" xmlns="" w="9525">
                   <a:solidFill>
                     <a:srgbClr val="000000"/>
                   </a:solidFill>
@@ -3362,7 +3363,7 @@
             </a:ln>
             <a:extLst>
               <a:ext uri="{91240B29-F687-4f45-9708-019B960494DF}">
-                <a14:hiddenLine xmlns="" xmlns:a14="http://schemas.microsoft.com/office/drawing/2010/main" w="9525">
+                <a14:hiddenLine xmlns:a14="http://schemas.microsoft.com/office/drawing/2010/main" xmlns="" w="9525">
                   <a:solidFill>
                     <a:srgbClr val="000000"/>
                   </a:solidFill>
@@ -3424,7 +3425,7 @@
             </a:ln>
             <a:extLst>
               <a:ext uri="{91240B29-F687-4f45-9708-019B960494DF}">
-                <a14:hiddenLine xmlns="" xmlns:a14="http://schemas.microsoft.com/office/drawing/2010/main" w="9525">
+                <a14:hiddenLine xmlns:a14="http://schemas.microsoft.com/office/drawing/2010/main" xmlns="" w="9525">
                   <a:solidFill>
                     <a:srgbClr val="000000"/>
                   </a:solidFill>
@@ -3514,7 +3515,7 @@
             </a:ln>
             <a:extLst>
               <a:ext uri="{91240B29-F687-4f45-9708-019B960494DF}">
-                <a14:hiddenLine xmlns="" xmlns:a14="http://schemas.microsoft.com/office/drawing/2010/main" w="9525">
+                <a14:hiddenLine xmlns:a14="http://schemas.microsoft.com/office/drawing/2010/main" xmlns="" w="9525">
                   <a:solidFill>
                     <a:srgbClr val="000000"/>
                   </a:solidFill>
@@ -3604,7 +3605,7 @@
             </a:ln>
             <a:extLst>
               <a:ext uri="{91240B29-F687-4f45-9708-019B960494DF}">
-                <a14:hiddenLine xmlns="" xmlns:a14="http://schemas.microsoft.com/office/drawing/2010/main" w="9525">
+                <a14:hiddenLine xmlns:a14="http://schemas.microsoft.com/office/drawing/2010/main" xmlns="" w="9525">
                   <a:solidFill>
                     <a:srgbClr val="000000"/>
                   </a:solidFill>
@@ -3669,7 +3670,7 @@
             </a:ln>
             <a:extLst>
               <a:ext uri="{91240B29-F687-4f45-9708-019B960494DF}">
-                <a14:hiddenLine xmlns="" xmlns:a14="http://schemas.microsoft.com/office/drawing/2010/main" w="9525">
+                <a14:hiddenLine xmlns:a14="http://schemas.microsoft.com/office/drawing/2010/main" xmlns="" w="9525">
                   <a:solidFill>
                     <a:srgbClr val="000000"/>
                   </a:solidFill>
@@ -3731,7 +3732,7 @@
             </a:ln>
             <a:extLst>
               <a:ext uri="{91240B29-F687-4f45-9708-019B960494DF}">
-                <a14:hiddenLine xmlns="" xmlns:a14="http://schemas.microsoft.com/office/drawing/2010/main" w="9525">
+                <a14:hiddenLine xmlns:a14="http://schemas.microsoft.com/office/drawing/2010/main" xmlns="" w="9525">
                   <a:solidFill>
                     <a:srgbClr val="000000"/>
                   </a:solidFill>
@@ -3821,7 +3822,7 @@
             </a:ln>
             <a:extLst>
               <a:ext uri="{91240B29-F687-4f45-9708-019B960494DF}">
-                <a14:hiddenLine xmlns="" xmlns:a14="http://schemas.microsoft.com/office/drawing/2010/main" w="9525">
+                <a14:hiddenLine xmlns:a14="http://schemas.microsoft.com/office/drawing/2010/main" xmlns="" w="9525">
                   <a:solidFill>
                     <a:srgbClr val="000000"/>
                   </a:solidFill>
@@ -3911,7 +3912,7 @@
             </a:ln>
             <a:extLst>
               <a:ext uri="{91240B29-F687-4f45-9708-019B960494DF}">
-                <a14:hiddenLine xmlns="" xmlns:a14="http://schemas.microsoft.com/office/drawing/2010/main" w="9525">
+                <a14:hiddenLine xmlns:a14="http://schemas.microsoft.com/office/drawing/2010/main" xmlns="" w="9525">
                   <a:solidFill>
                     <a:srgbClr val="000000"/>
                   </a:solidFill>
@@ -3973,7 +3974,7 @@
             </a:ln>
             <a:extLst>
               <a:ext uri="{91240B29-F687-4f45-9708-019B960494DF}">
-                <a14:hiddenLine xmlns="" xmlns:a14="http://schemas.microsoft.com/office/drawing/2010/main" w="9525">
+                <a14:hiddenLine xmlns:a14="http://schemas.microsoft.com/office/drawing/2010/main" xmlns="" w="9525">
                   <a:solidFill>
                     <a:srgbClr val="000000"/>
                   </a:solidFill>
@@ -4093,7 +4094,7 @@
             </a:ln>
             <a:extLst>
               <a:ext uri="{91240B29-F687-4f45-9708-019B960494DF}">
-                <a14:hiddenLine xmlns="" xmlns:a14="http://schemas.microsoft.com/office/drawing/2010/main" w="9525">
+                <a14:hiddenLine xmlns:a14="http://schemas.microsoft.com/office/drawing/2010/main" xmlns="" w="9525">
                   <a:solidFill>
                     <a:srgbClr val="000000"/>
                   </a:solidFill>
@@ -4161,7 +4162,7 @@
             </a:ln>
             <a:extLst>
               <a:ext uri="{91240B29-F687-4f45-9708-019B960494DF}">
-                <a14:hiddenLine xmlns="" xmlns:a14="http://schemas.microsoft.com/office/drawing/2010/main" w="9525">
+                <a14:hiddenLine xmlns:a14="http://schemas.microsoft.com/office/drawing/2010/main" xmlns="" w="9525">
                   <a:solidFill>
                     <a:srgbClr val="000000"/>
                   </a:solidFill>
@@ -4251,7 +4252,7 @@
             </a:ln>
             <a:extLst>
               <a:ext uri="{91240B29-F687-4f45-9708-019B960494DF}">
-                <a14:hiddenLine xmlns="" xmlns:a14="http://schemas.microsoft.com/office/drawing/2010/main" w="9525">
+                <a14:hiddenLine xmlns:a14="http://schemas.microsoft.com/office/drawing/2010/main" xmlns="" w="9525">
                   <a:solidFill>
                     <a:srgbClr val="000000"/>
                   </a:solidFill>
@@ -4391,7 +4392,7 @@
           <a:p>
             <a:fld id="{0D8C998C-73E1-4E76-A546-EB221884783A}" type="datetimeFigureOut">
               <a:rPr lang="ru-RU" smtClean="0"/>
-              <a:t>10.01.2022</a:t>
+              <a:t>22.01.2022</a:t>
             </a:fld>
             <a:endParaRPr lang="ru-RU"/>
           </a:p>
@@ -4658,7 +4659,7 @@
           <a:p>
             <a:fld id="{0D8C998C-73E1-4E76-A546-EB221884783A}" type="datetimeFigureOut">
               <a:rPr lang="ru-RU" smtClean="0"/>
-              <a:t>10.01.2022</a:t>
+              <a:t>22.01.2022</a:t>
             </a:fld>
             <a:endParaRPr lang="ru-RU"/>
           </a:p>
@@ -4854,7 +4855,7 @@
           <a:p>
             <a:fld id="{0D8C998C-73E1-4E76-A546-EB221884783A}" type="datetimeFigureOut">
               <a:rPr lang="ru-RU" smtClean="0"/>
-              <a:t>10.01.2022</a:t>
+              <a:t>22.01.2022</a:t>
             </a:fld>
             <a:endParaRPr lang="ru-RU"/>
           </a:p>
@@ -5117,7 +5118,7 @@
           <a:p>
             <a:fld id="{0D8C998C-73E1-4E76-A546-EB221884783A}" type="datetimeFigureOut">
               <a:rPr lang="ru-RU" smtClean="0"/>
-              <a:t>10.01.2022</a:t>
+              <a:t>22.01.2022</a:t>
             </a:fld>
             <a:endParaRPr lang="ru-RU"/>
           </a:p>
@@ -5551,7 +5552,7 @@
           <a:p>
             <a:fld id="{0D8C998C-73E1-4E76-A546-EB221884783A}" type="datetimeFigureOut">
               <a:rPr lang="ru-RU" smtClean="0"/>
-              <a:t>10.01.2022</a:t>
+              <a:t>22.01.2022</a:t>
             </a:fld>
             <a:endParaRPr lang="ru-RU"/>
           </a:p>
@@ -6097,7 +6098,7 @@
           <a:p>
             <a:fld id="{0D8C998C-73E1-4E76-A546-EB221884783A}" type="datetimeFigureOut">
               <a:rPr lang="ru-RU" smtClean="0"/>
-              <a:t>10.01.2022</a:t>
+              <a:t>22.01.2022</a:t>
             </a:fld>
             <a:endParaRPr lang="ru-RU"/>
           </a:p>
@@ -6817,7 +6818,7 @@
           <a:p>
             <a:fld id="{0D8C998C-73E1-4E76-A546-EB221884783A}" type="datetimeFigureOut">
               <a:rPr lang="ru-RU" smtClean="0"/>
-              <a:t>10.01.2022</a:t>
+              <a:t>22.01.2022</a:t>
             </a:fld>
             <a:endParaRPr lang="ru-RU"/>
           </a:p>
@@ -6987,7 +6988,7 @@
           <a:p>
             <a:fld id="{0D8C998C-73E1-4E76-A546-EB221884783A}" type="datetimeFigureOut">
               <a:rPr lang="ru-RU" smtClean="0"/>
-              <a:t>10.01.2022</a:t>
+              <a:t>22.01.2022</a:t>
             </a:fld>
             <a:endParaRPr lang="ru-RU"/>
           </a:p>
@@ -7167,7 +7168,7 @@
           <a:p>
             <a:fld id="{0D8C998C-73E1-4E76-A546-EB221884783A}" type="datetimeFigureOut">
               <a:rPr lang="ru-RU" smtClean="0"/>
-              <a:t>10.01.2022</a:t>
+              <a:t>22.01.2022</a:t>
             </a:fld>
             <a:endParaRPr lang="ru-RU"/>
           </a:p>
@@ -7337,7 +7338,7 @@
           <a:p>
             <a:fld id="{0D8C998C-73E1-4E76-A546-EB221884783A}" type="datetimeFigureOut">
               <a:rPr lang="ru-RU" smtClean="0"/>
-              <a:t>10.01.2022</a:t>
+              <a:t>22.01.2022</a:t>
             </a:fld>
             <a:endParaRPr lang="ru-RU"/>
           </a:p>
@@ -7587,7 +7588,7 @@
           <a:p>
             <a:fld id="{0D8C998C-73E1-4E76-A546-EB221884783A}" type="datetimeFigureOut">
               <a:rPr lang="ru-RU" smtClean="0"/>
-              <a:t>10.01.2022</a:t>
+              <a:t>22.01.2022</a:t>
             </a:fld>
             <a:endParaRPr lang="ru-RU"/>
           </a:p>
@@ -7819,7 +7820,7 @@
           <a:p>
             <a:fld id="{0D8C998C-73E1-4E76-A546-EB221884783A}" type="datetimeFigureOut">
               <a:rPr lang="ru-RU" smtClean="0"/>
-              <a:t>10.01.2022</a:t>
+              <a:t>22.01.2022</a:t>
             </a:fld>
             <a:endParaRPr lang="ru-RU"/>
           </a:p>
@@ -8200,7 +8201,7 @@
           <a:p>
             <a:fld id="{0D8C998C-73E1-4E76-A546-EB221884783A}" type="datetimeFigureOut">
               <a:rPr lang="ru-RU" smtClean="0"/>
-              <a:t>10.01.2022</a:t>
+              <a:t>22.01.2022</a:t>
             </a:fld>
             <a:endParaRPr lang="ru-RU"/>
           </a:p>
@@ -8318,7 +8319,7 @@
           <a:p>
             <a:fld id="{0D8C998C-73E1-4E76-A546-EB221884783A}" type="datetimeFigureOut">
               <a:rPr lang="ru-RU" smtClean="0"/>
-              <a:t>10.01.2022</a:t>
+              <a:t>22.01.2022</a:t>
             </a:fld>
             <a:endParaRPr lang="ru-RU"/>
           </a:p>
@@ -8413,7 +8414,7 @@
           <a:p>
             <a:fld id="{0D8C998C-73E1-4E76-A546-EB221884783A}" type="datetimeFigureOut">
               <a:rPr lang="ru-RU" smtClean="0"/>
-              <a:t>10.01.2022</a:t>
+              <a:t>22.01.2022</a:t>
             </a:fld>
             <a:endParaRPr lang="ru-RU"/>
           </a:p>
@@ -8662,7 +8663,7 @@
           <a:p>
             <a:fld id="{0D8C998C-73E1-4E76-A546-EB221884783A}" type="datetimeFigureOut">
               <a:rPr lang="ru-RU" smtClean="0"/>
-              <a:t>10.01.2022</a:t>
+              <a:t>22.01.2022</a:t>
             </a:fld>
             <a:endParaRPr lang="ru-RU"/>
           </a:p>
@@ -8942,7 +8943,7 @@
           <a:p>
             <a:fld id="{0D8C998C-73E1-4E76-A546-EB221884783A}" type="datetimeFigureOut">
               <a:rPr lang="ru-RU" smtClean="0"/>
-              <a:t>10.01.2022</a:t>
+              <a:t>22.01.2022</a:t>
             </a:fld>
             <a:endParaRPr lang="ru-RU"/>
           </a:p>
@@ -9058,7 +9059,7 @@
           <a:noFill/>
           <a:extLst>
             <a:ext uri="{909E8E84-426E-40dd-AFC4-6F175D3DCCD1}">
-              <a14:hiddenFill xmlns="" xmlns:a14="http://schemas.microsoft.com/office/drawing/2010/main">
+              <a14:hiddenFill xmlns:a14="http://schemas.microsoft.com/office/drawing/2010/main" xmlns="">
                 <a:solidFill>
                   <a:srgbClr val="FFFFFF"/>
                 </a:solidFill>
@@ -9132,7 +9133,7 @@
               </a:ln>
               <a:extLst>
                 <a:ext uri="{91240B29-F687-4f45-9708-019B960494DF}">
-                  <a14:hiddenLine xmlns="" xmlns:a14="http://schemas.microsoft.com/office/drawing/2010/main" w="9525">
+                  <a14:hiddenLine xmlns:a14="http://schemas.microsoft.com/office/drawing/2010/main" xmlns="" w="9525">
                     <a:solidFill>
                       <a:srgbClr val="000000"/>
                     </a:solidFill>
@@ -9222,7 +9223,7 @@
               </a:ln>
               <a:extLst>
                 <a:ext uri="{91240B29-F687-4f45-9708-019B960494DF}">
-                  <a14:hiddenLine xmlns="" xmlns:a14="http://schemas.microsoft.com/office/drawing/2010/main" w="9525">
+                  <a14:hiddenLine xmlns:a14="http://schemas.microsoft.com/office/drawing/2010/main" xmlns="" w="9525">
                     <a:solidFill>
                       <a:srgbClr val="000000"/>
                     </a:solidFill>
@@ -9312,7 +9313,7 @@
               </a:ln>
               <a:extLst>
                 <a:ext uri="{91240B29-F687-4f45-9708-019B960494DF}">
-                  <a14:hiddenLine xmlns="" xmlns:a14="http://schemas.microsoft.com/office/drawing/2010/main" w="9525">
+                  <a14:hiddenLine xmlns:a14="http://schemas.microsoft.com/office/drawing/2010/main" xmlns="" w="9525">
                     <a:solidFill>
                       <a:srgbClr val="000000"/>
                     </a:solidFill>
@@ -9374,7 +9375,7 @@
               </a:ln>
               <a:extLst>
                 <a:ext uri="{91240B29-F687-4f45-9708-019B960494DF}">
-                  <a14:hiddenLine xmlns="" xmlns:a14="http://schemas.microsoft.com/office/drawing/2010/main" w="9525">
+                  <a14:hiddenLine xmlns:a14="http://schemas.microsoft.com/office/drawing/2010/main" xmlns="" w="9525">
                     <a:solidFill>
                       <a:srgbClr val="000000"/>
                     </a:solidFill>
@@ -9464,7 +9465,7 @@
               </a:ln>
               <a:extLst>
                 <a:ext uri="{91240B29-F687-4f45-9708-019B960494DF}">
-                  <a14:hiddenLine xmlns="" xmlns:a14="http://schemas.microsoft.com/office/drawing/2010/main" w="9525">
+                  <a14:hiddenLine xmlns:a14="http://schemas.microsoft.com/office/drawing/2010/main" xmlns="" w="9525">
                     <a:solidFill>
                       <a:srgbClr val="000000"/>
                     </a:solidFill>
@@ -9526,7 +9527,7 @@
               </a:ln>
               <a:extLst>
                 <a:ext uri="{91240B29-F687-4f45-9708-019B960494DF}">
-                  <a14:hiddenLine xmlns="" xmlns:a14="http://schemas.microsoft.com/office/drawing/2010/main" w="9525">
+                  <a14:hiddenLine xmlns:a14="http://schemas.microsoft.com/office/drawing/2010/main" xmlns="" w="9525">
                     <a:solidFill>
                       <a:srgbClr val="000000"/>
                     </a:solidFill>
@@ -9588,7 +9589,7 @@
               </a:ln>
               <a:extLst>
                 <a:ext uri="{91240B29-F687-4f45-9708-019B960494DF}">
-                  <a14:hiddenLine xmlns="" xmlns:a14="http://schemas.microsoft.com/office/drawing/2010/main" w="9525">
+                  <a14:hiddenLine xmlns:a14="http://schemas.microsoft.com/office/drawing/2010/main" xmlns="" w="9525">
                     <a:solidFill>
                       <a:srgbClr val="000000"/>
                     </a:solidFill>
@@ -9678,7 +9679,7 @@
               </a:ln>
               <a:extLst>
                 <a:ext uri="{91240B29-F687-4f45-9708-019B960494DF}">
-                  <a14:hiddenLine xmlns="" xmlns:a14="http://schemas.microsoft.com/office/drawing/2010/main" w="9525">
+                  <a14:hiddenLine xmlns:a14="http://schemas.microsoft.com/office/drawing/2010/main" xmlns="" w="9525">
                     <a:solidFill>
                       <a:srgbClr val="000000"/>
                     </a:solidFill>
@@ -9768,7 +9769,7 @@
               </a:ln>
               <a:extLst>
                 <a:ext uri="{91240B29-F687-4f45-9708-019B960494DF}">
-                  <a14:hiddenLine xmlns="" xmlns:a14="http://schemas.microsoft.com/office/drawing/2010/main" w="9525">
+                  <a14:hiddenLine xmlns:a14="http://schemas.microsoft.com/office/drawing/2010/main" xmlns="" w="9525">
                     <a:solidFill>
                       <a:srgbClr val="000000"/>
                     </a:solidFill>
@@ -9830,7 +9831,7 @@
               </a:ln>
               <a:extLst>
                 <a:ext uri="{91240B29-F687-4f45-9708-019B960494DF}">
-                  <a14:hiddenLine xmlns="" xmlns:a14="http://schemas.microsoft.com/office/drawing/2010/main" w="9525">
+                  <a14:hiddenLine xmlns:a14="http://schemas.microsoft.com/office/drawing/2010/main" xmlns="" w="9525">
                     <a:solidFill>
                       <a:srgbClr val="000000"/>
                     </a:solidFill>
@@ -9940,7 +9941,7 @@
               </a:ln>
               <a:extLst>
                 <a:ext uri="{91240B29-F687-4f45-9708-019B960494DF}">
-                  <a14:hiddenLine xmlns="" xmlns:a14="http://schemas.microsoft.com/office/drawing/2010/main" w="9525">
+                  <a14:hiddenLine xmlns:a14="http://schemas.microsoft.com/office/drawing/2010/main" xmlns="" w="9525">
                     <a:solidFill>
                       <a:srgbClr val="000000"/>
                     </a:solidFill>
@@ -10024,7 +10025,7 @@
               </a:ln>
               <a:extLst>
                 <a:ext uri="{91240B29-F687-4f45-9708-019B960494DF}">
-                  <a14:hiddenLine xmlns="" xmlns:a14="http://schemas.microsoft.com/office/drawing/2010/main" w="9525">
+                  <a14:hiddenLine xmlns:a14="http://schemas.microsoft.com/office/drawing/2010/main" xmlns="" w="9525">
                     <a:solidFill>
                       <a:srgbClr val="000000"/>
                     </a:solidFill>
@@ -10086,7 +10087,7 @@
               </a:ln>
               <a:extLst>
                 <a:ext uri="{91240B29-F687-4f45-9708-019B960494DF}">
-                  <a14:hiddenLine xmlns="" xmlns:a14="http://schemas.microsoft.com/office/drawing/2010/main" w="9525">
+                  <a14:hiddenLine xmlns:a14="http://schemas.microsoft.com/office/drawing/2010/main" xmlns="" w="9525">
                     <a:solidFill>
                       <a:srgbClr val="000000"/>
                     </a:solidFill>
@@ -10148,7 +10149,7 @@
               </a:ln>
               <a:extLst>
                 <a:ext uri="{91240B29-F687-4f45-9708-019B960494DF}">
-                  <a14:hiddenLine xmlns="" xmlns:a14="http://schemas.microsoft.com/office/drawing/2010/main" w="9525">
+                  <a14:hiddenLine xmlns:a14="http://schemas.microsoft.com/office/drawing/2010/main" xmlns="" w="9525">
                     <a:solidFill>
                       <a:srgbClr val="000000"/>
                     </a:solidFill>
@@ -10238,7 +10239,7 @@
               </a:ln>
               <a:extLst>
                 <a:ext uri="{91240B29-F687-4f45-9708-019B960494DF}">
-                  <a14:hiddenLine xmlns="" xmlns:a14="http://schemas.microsoft.com/office/drawing/2010/main" w="9525">
+                  <a14:hiddenLine xmlns:a14="http://schemas.microsoft.com/office/drawing/2010/main" xmlns="" w="9525">
                     <a:solidFill>
                       <a:srgbClr val="000000"/>
                     </a:solidFill>
@@ -10272,7 +10273,7 @@
               </a:ln>
               <a:extLst>
                 <a:ext uri="{91240B29-F687-4f45-9708-019B960494DF}">
-                  <a14:hiddenLine xmlns="" xmlns:a14="http://schemas.microsoft.com/office/drawing/2010/main" w="9525">
+                  <a14:hiddenLine xmlns:a14="http://schemas.microsoft.com/office/drawing/2010/main" xmlns="" w="9525">
                     <a:solidFill>
                       <a:srgbClr val="000000"/>
                     </a:solidFill>
@@ -10337,7 +10338,7 @@
               </a:ln>
               <a:extLst>
                 <a:ext uri="{91240B29-F687-4f45-9708-019B960494DF}">
-                  <a14:hiddenLine xmlns="" xmlns:a14="http://schemas.microsoft.com/office/drawing/2010/main" w="9525">
+                  <a14:hiddenLine xmlns:a14="http://schemas.microsoft.com/office/drawing/2010/main" xmlns="" w="9525">
                     <a:solidFill>
                       <a:srgbClr val="000000"/>
                     </a:solidFill>
@@ -10427,7 +10428,7 @@
               </a:ln>
               <a:extLst>
                 <a:ext uri="{91240B29-F687-4f45-9708-019B960494DF}">
-                  <a14:hiddenLine xmlns="" xmlns:a14="http://schemas.microsoft.com/office/drawing/2010/main" w="9525">
+                  <a14:hiddenLine xmlns:a14="http://schemas.microsoft.com/office/drawing/2010/main" xmlns="" w="9525">
                     <a:solidFill>
                       <a:srgbClr val="000000"/>
                     </a:solidFill>
@@ -10489,7 +10490,7 @@
               </a:ln>
               <a:extLst>
                 <a:ext uri="{91240B29-F687-4f45-9708-019B960494DF}">
-                  <a14:hiddenLine xmlns="" xmlns:a14="http://schemas.microsoft.com/office/drawing/2010/main" w="9525">
+                  <a14:hiddenLine xmlns:a14="http://schemas.microsoft.com/office/drawing/2010/main" xmlns="" w="9525">
                     <a:solidFill>
                       <a:srgbClr val="000000"/>
                     </a:solidFill>
@@ -10579,7 +10580,7 @@
               </a:ln>
               <a:extLst>
                 <a:ext uri="{91240B29-F687-4f45-9708-019B960494DF}">
-                  <a14:hiddenLine xmlns="" xmlns:a14="http://schemas.microsoft.com/office/drawing/2010/main" w="9525">
+                  <a14:hiddenLine xmlns:a14="http://schemas.microsoft.com/office/drawing/2010/main" xmlns="" w="9525">
                     <a:solidFill>
                       <a:srgbClr val="000000"/>
                     </a:solidFill>
@@ -10644,7 +10645,7 @@
               </a:ln>
               <a:extLst>
                 <a:ext uri="{91240B29-F687-4f45-9708-019B960494DF}">
-                  <a14:hiddenLine xmlns="" xmlns:a14="http://schemas.microsoft.com/office/drawing/2010/main" w="9525">
+                  <a14:hiddenLine xmlns:a14="http://schemas.microsoft.com/office/drawing/2010/main" xmlns="" w="9525">
                     <a:solidFill>
                       <a:srgbClr val="000000"/>
                     </a:solidFill>
@@ -10706,7 +10707,7 @@
               </a:ln>
               <a:extLst>
                 <a:ext uri="{91240B29-F687-4f45-9708-019B960494DF}">
-                  <a14:hiddenLine xmlns="" xmlns:a14="http://schemas.microsoft.com/office/drawing/2010/main" w="9525">
+                  <a14:hiddenLine xmlns:a14="http://schemas.microsoft.com/office/drawing/2010/main" xmlns="" w="9525">
                     <a:solidFill>
                       <a:srgbClr val="000000"/>
                     </a:solidFill>
@@ -10796,7 +10797,7 @@
               </a:ln>
               <a:extLst>
                 <a:ext uri="{91240B29-F687-4f45-9708-019B960494DF}">
-                  <a14:hiddenLine xmlns="" xmlns:a14="http://schemas.microsoft.com/office/drawing/2010/main" w="9525">
+                  <a14:hiddenLine xmlns:a14="http://schemas.microsoft.com/office/drawing/2010/main" xmlns="" w="9525">
                     <a:solidFill>
                       <a:srgbClr val="000000"/>
                     </a:solidFill>
@@ -10886,7 +10887,7 @@
               </a:ln>
               <a:extLst>
                 <a:ext uri="{91240B29-F687-4f45-9708-019B960494DF}">
-                  <a14:hiddenLine xmlns="" xmlns:a14="http://schemas.microsoft.com/office/drawing/2010/main" w="9525">
+                  <a14:hiddenLine xmlns:a14="http://schemas.microsoft.com/office/drawing/2010/main" xmlns="" w="9525">
                     <a:solidFill>
                       <a:srgbClr val="000000"/>
                     </a:solidFill>
@@ -10951,7 +10952,7 @@
               </a:ln>
               <a:extLst>
                 <a:ext uri="{91240B29-F687-4f45-9708-019B960494DF}">
-                  <a14:hiddenLine xmlns="" xmlns:a14="http://schemas.microsoft.com/office/drawing/2010/main" w="9525">
+                  <a14:hiddenLine xmlns:a14="http://schemas.microsoft.com/office/drawing/2010/main" xmlns="" w="9525">
                     <a:solidFill>
                       <a:srgbClr val="000000"/>
                     </a:solidFill>
@@ -11071,7 +11072,7 @@
               </a:ln>
               <a:extLst>
                 <a:ext uri="{91240B29-F687-4f45-9708-019B960494DF}">
-                  <a14:hiddenLine xmlns="" xmlns:a14="http://schemas.microsoft.com/office/drawing/2010/main" w="9525">
+                  <a14:hiddenLine xmlns:a14="http://schemas.microsoft.com/office/drawing/2010/main" xmlns="" w="9525">
                     <a:solidFill>
                       <a:srgbClr val="000000"/>
                     </a:solidFill>
@@ -11169,7 +11170,7 @@
               </a:ln>
               <a:extLst>
                 <a:ext uri="{91240B29-F687-4f45-9708-019B960494DF}">
-                  <a14:hiddenLine xmlns="" xmlns:a14="http://schemas.microsoft.com/office/drawing/2010/main" w="9525">
+                  <a14:hiddenLine xmlns:a14="http://schemas.microsoft.com/office/drawing/2010/main" xmlns="" w="9525">
                     <a:solidFill>
                       <a:srgbClr val="000000"/>
                     </a:solidFill>
@@ -11284,7 +11285,7 @@
               </a:ln>
               <a:extLst>
                 <a:ext uri="{91240B29-F687-4f45-9708-019B960494DF}">
-                  <a14:hiddenLine xmlns="" xmlns:a14="http://schemas.microsoft.com/office/drawing/2010/main" w="9525">
+                  <a14:hiddenLine xmlns:a14="http://schemas.microsoft.com/office/drawing/2010/main" xmlns="" w="9525">
                     <a:solidFill>
                       <a:srgbClr val="000000"/>
                     </a:solidFill>
@@ -11374,7 +11375,7 @@
               </a:ln>
               <a:extLst>
                 <a:ext uri="{91240B29-F687-4f45-9708-019B960494DF}">
-                  <a14:hiddenLine xmlns="" xmlns:a14="http://schemas.microsoft.com/office/drawing/2010/main" w="9525">
+                  <a14:hiddenLine xmlns:a14="http://schemas.microsoft.com/office/drawing/2010/main" xmlns="" w="9525">
                     <a:solidFill>
                       <a:srgbClr val="000000"/>
                     </a:solidFill>
@@ -11439,7 +11440,7 @@
               </a:ln>
               <a:extLst>
                 <a:ext uri="{91240B29-F687-4f45-9708-019B960494DF}">
-                  <a14:hiddenLine xmlns="" xmlns:a14="http://schemas.microsoft.com/office/drawing/2010/main" w="9525">
+                  <a14:hiddenLine xmlns:a14="http://schemas.microsoft.com/office/drawing/2010/main" xmlns="" w="9525">
                     <a:solidFill>
                       <a:srgbClr val="000000"/>
                     </a:solidFill>
@@ -11529,7 +11530,7 @@
               </a:ln>
               <a:extLst>
                 <a:ext uri="{91240B29-F687-4f45-9708-019B960494DF}">
-                  <a14:hiddenLine xmlns="" xmlns:a14="http://schemas.microsoft.com/office/drawing/2010/main" w="9525">
+                  <a14:hiddenLine xmlns:a14="http://schemas.microsoft.com/office/drawing/2010/main" xmlns="" w="9525">
                     <a:solidFill>
                       <a:srgbClr val="000000"/>
                     </a:solidFill>
@@ -11597,7 +11598,7 @@
               </a:ln>
               <a:extLst>
                 <a:ext uri="{91240B29-F687-4f45-9708-019B960494DF}">
-                  <a14:hiddenLine xmlns="" xmlns:a14="http://schemas.microsoft.com/office/drawing/2010/main" w="9525">
+                  <a14:hiddenLine xmlns:a14="http://schemas.microsoft.com/office/drawing/2010/main" xmlns="" w="9525">
                     <a:solidFill>
                       <a:srgbClr val="000000"/>
                     </a:solidFill>
@@ -11687,7 +11688,7 @@
               </a:ln>
               <a:extLst>
                 <a:ext uri="{91240B29-F687-4f45-9708-019B960494DF}">
-                  <a14:hiddenLine xmlns="" xmlns:a14="http://schemas.microsoft.com/office/drawing/2010/main" w="9525">
+                  <a14:hiddenLine xmlns:a14="http://schemas.microsoft.com/office/drawing/2010/main" xmlns="" w="9525">
                     <a:solidFill>
                       <a:srgbClr val="000000"/>
                     </a:solidFill>
@@ -11755,7 +11756,7 @@
               </a:ln>
               <a:extLst>
                 <a:ext uri="{91240B29-F687-4f45-9708-019B960494DF}">
-                  <a14:hiddenLine xmlns="" xmlns:a14="http://schemas.microsoft.com/office/drawing/2010/main" w="9525">
+                  <a14:hiddenLine xmlns:a14="http://schemas.microsoft.com/office/drawing/2010/main" xmlns="" w="9525">
                     <a:solidFill>
                       <a:srgbClr val="000000"/>
                     </a:solidFill>
@@ -11845,7 +11846,7 @@
               </a:ln>
               <a:extLst>
                 <a:ext uri="{91240B29-F687-4f45-9708-019B960494DF}">
-                  <a14:hiddenLine xmlns="" xmlns:a14="http://schemas.microsoft.com/office/drawing/2010/main" w="9525">
+                  <a14:hiddenLine xmlns:a14="http://schemas.microsoft.com/office/drawing/2010/main" xmlns="" w="9525">
                     <a:solidFill>
                       <a:srgbClr val="000000"/>
                     </a:solidFill>
@@ -11879,7 +11880,7 @@
               </a:ln>
               <a:extLst>
                 <a:ext uri="{91240B29-F687-4f45-9708-019B960494DF}">
-                  <a14:hiddenLine xmlns="" xmlns:a14="http://schemas.microsoft.com/office/drawing/2010/main" w="9525">
+                  <a14:hiddenLine xmlns:a14="http://schemas.microsoft.com/office/drawing/2010/main" xmlns="" w="9525">
                     <a:solidFill>
                       <a:srgbClr val="000000"/>
                     </a:solidFill>
@@ -12019,7 +12020,7 @@
           <a:p>
             <a:fld id="{0D8C998C-73E1-4E76-A546-EB221884783A}" type="datetimeFigureOut">
               <a:rPr lang="ru-RU" smtClean="0"/>
-              <a:t>10.01.2022</a:t>
+              <a:t>22.01.2022</a:t>
             </a:fld>
             <a:endParaRPr lang="ru-RU"/>
           </a:p>
@@ -12678,7 +12679,9 @@
         </p:nvSpPr>
         <p:spPr/>
         <p:txBody>
-          <a:bodyPr/>
+          <a:bodyPr>
+            <a:normAutofit lnSpcReduction="10000"/>
+          </a:bodyPr>
           <a:lstStyle/>
           <a:p>
             <a:pPr marL="220980" indent="0">
@@ -12740,6 +12743,165 @@
               </a:rPr>
               <a:t>ython</a:t>
             </a:r>
+            <a:endParaRPr lang="ru-RU" dirty="0">
+              <a:effectLst/>
+              <a:latin typeface="Arial" panose="020B0604020202020204" pitchFamily="34" charset="0"/>
+              <a:ea typeface="Calibri" panose="020F0502020204030204" pitchFamily="34" charset="0"/>
+            </a:endParaRPr>
+          </a:p>
+          <a:p>
+            <a:pPr marL="220980" indent="0">
+              <a:lnSpc>
+                <a:spcPct val="107000"/>
+              </a:lnSpc>
+              <a:spcAft>
+                <a:spcPts val="800"/>
+              </a:spcAft>
+              <a:buNone/>
+            </a:pPr>
+            <a:r>
+              <a:rPr lang="ru-RU" b="1" i="1" dirty="0">
+                <a:effectLst/>
+                <a:latin typeface="Arial" panose="020B0604020202020204" pitchFamily="34" charset="0"/>
+                <a:ea typeface="Calibri" panose="020F0502020204030204" pitchFamily="34" charset="0"/>
+                <a:cs typeface="Times New Roman" panose="02020603050405020304" pitchFamily="18" charset="0"/>
+              </a:rPr>
+              <a:t>Задачи:</a:t>
+            </a:r>
+            <a:endParaRPr lang="ru-RU" dirty="0">
+              <a:effectLst/>
+              <a:latin typeface="Calibri" panose="020F0502020204030204" pitchFamily="34" charset="0"/>
+              <a:ea typeface="Calibri" panose="020F0502020204030204" pitchFamily="34" charset="0"/>
+              <a:cs typeface="Times New Roman" panose="02020603050405020304" pitchFamily="18" charset="0"/>
+            </a:endParaRPr>
+          </a:p>
+          <a:p>
+            <a:pPr marL="342900" lvl="0" indent="-342900">
+              <a:lnSpc>
+                <a:spcPct val="107000"/>
+              </a:lnSpc>
+              <a:buFont typeface="Symbol" panose="05050102010706020507" pitchFamily="18" charset="2"/>
+              <a:buChar char=""/>
+            </a:pPr>
+            <a:r>
+              <a:rPr lang="ru-RU" sz="1800" dirty="0">
+                <a:effectLst/>
+                <a:latin typeface="Arial" panose="020B0604020202020204" pitchFamily="34" charset="0"/>
+                <a:ea typeface="Calibri" panose="020F0502020204030204" pitchFamily="34" charset="0"/>
+                <a:cs typeface="Times New Roman" panose="02020603050405020304" pitchFamily="18" charset="0"/>
+              </a:rPr>
+              <a:t>Изучить </a:t>
+            </a:r>
+            <a:r>
+              <a:rPr lang="en-GB" sz="1800" dirty="0">
+                <a:effectLst/>
+                <a:latin typeface="Arial" panose="020B0604020202020204" pitchFamily="34" charset="0"/>
+                <a:ea typeface="Calibri" panose="020F0502020204030204" pitchFamily="34" charset="0"/>
+                <a:cs typeface="Times New Roman" panose="02020603050405020304" pitchFamily="18" charset="0"/>
+              </a:rPr>
+              <a:t>GitHub</a:t>
+            </a:r>
+            <a:r>
+              <a:rPr lang="ru-RU" sz="1800" dirty="0">
+                <a:effectLst/>
+                <a:latin typeface="Arial" panose="020B0604020202020204" pitchFamily="34" charset="0"/>
+                <a:ea typeface="Calibri" panose="020F0502020204030204" pitchFamily="34" charset="0"/>
+                <a:cs typeface="Times New Roman" panose="02020603050405020304" pitchFamily="18" charset="0"/>
+              </a:rPr>
+              <a:t> для совместная работы над кодом</a:t>
+            </a:r>
+            <a:endParaRPr lang="ru-RU" sz="1800" dirty="0">
+              <a:effectLst/>
+              <a:latin typeface="Calibri" panose="020F0502020204030204" pitchFamily="34" charset="0"/>
+              <a:ea typeface="Calibri" panose="020F0502020204030204" pitchFamily="34" charset="0"/>
+              <a:cs typeface="Times New Roman" panose="02020603050405020304" pitchFamily="18" charset="0"/>
+            </a:endParaRPr>
+          </a:p>
+          <a:p>
+            <a:pPr marL="342900" lvl="0" indent="-342900">
+              <a:lnSpc>
+                <a:spcPct val="107000"/>
+              </a:lnSpc>
+              <a:buFont typeface="Symbol" panose="05050102010706020507" pitchFamily="18" charset="2"/>
+              <a:buChar char=""/>
+            </a:pPr>
+            <a:r>
+              <a:rPr lang="ru-RU" sz="1800" dirty="0">
+                <a:effectLst/>
+                <a:latin typeface="Arial" panose="020B0604020202020204" pitchFamily="34" charset="0"/>
+                <a:ea typeface="Calibri" panose="020F0502020204030204" pitchFamily="34" charset="0"/>
+                <a:cs typeface="Times New Roman" panose="02020603050405020304" pitchFamily="18" charset="0"/>
+              </a:rPr>
+              <a:t>Придумать концепцию уровня</a:t>
+            </a:r>
+            <a:endParaRPr lang="ru-RU" sz="1800" dirty="0">
+              <a:effectLst/>
+              <a:latin typeface="Calibri" panose="020F0502020204030204" pitchFamily="34" charset="0"/>
+              <a:ea typeface="Calibri" panose="020F0502020204030204" pitchFamily="34" charset="0"/>
+              <a:cs typeface="Times New Roman" panose="02020603050405020304" pitchFamily="18" charset="0"/>
+            </a:endParaRPr>
+          </a:p>
+          <a:p>
+            <a:pPr marL="342900" lvl="0" indent="-342900">
+              <a:lnSpc>
+                <a:spcPct val="107000"/>
+              </a:lnSpc>
+              <a:buFont typeface="Symbol" panose="05050102010706020507" pitchFamily="18" charset="2"/>
+              <a:buChar char=""/>
+            </a:pPr>
+            <a:r>
+              <a:rPr lang="ru-RU" sz="1800" dirty="0">
+                <a:effectLst/>
+                <a:latin typeface="Arial" panose="020B0604020202020204" pitchFamily="34" charset="0"/>
+                <a:ea typeface="Calibri" panose="020F0502020204030204" pitchFamily="34" charset="0"/>
+                <a:cs typeface="Times New Roman" panose="02020603050405020304" pitchFamily="18" charset="0"/>
+              </a:rPr>
+              <a:t>Создать классы героев и преград, врагов</a:t>
+            </a:r>
+            <a:endParaRPr lang="ru-RU" sz="1800" dirty="0">
+              <a:effectLst/>
+              <a:latin typeface="Calibri" panose="020F0502020204030204" pitchFamily="34" charset="0"/>
+              <a:ea typeface="Calibri" panose="020F0502020204030204" pitchFamily="34" charset="0"/>
+              <a:cs typeface="Times New Roman" panose="02020603050405020304" pitchFamily="18" charset="0"/>
+            </a:endParaRPr>
+          </a:p>
+          <a:p>
+            <a:pPr marL="342900" lvl="0" indent="-342900">
+              <a:lnSpc>
+                <a:spcPct val="107000"/>
+              </a:lnSpc>
+              <a:spcAft>
+                <a:spcPts val="800"/>
+              </a:spcAft>
+              <a:buFont typeface="Symbol" panose="05050102010706020507" pitchFamily="18" charset="2"/>
+              <a:buChar char=""/>
+            </a:pPr>
+            <a:r>
+              <a:rPr lang="ru-RU" sz="1800" dirty="0">
+                <a:effectLst/>
+                <a:latin typeface="Arial" panose="020B0604020202020204" pitchFamily="34" charset="0"/>
+                <a:ea typeface="Calibri" panose="020F0502020204030204" pitchFamily="34" charset="0"/>
+                <a:cs typeface="Times New Roman" panose="02020603050405020304" pitchFamily="18" charset="0"/>
+              </a:rPr>
+              <a:t>Совместить написанные уровни в итоговую игру</a:t>
+            </a:r>
+            <a:endParaRPr lang="ru-RU" sz="1800" dirty="0">
+              <a:effectLst/>
+              <a:latin typeface="Calibri" panose="020F0502020204030204" pitchFamily="34" charset="0"/>
+              <a:ea typeface="Calibri" panose="020F0502020204030204" pitchFamily="34" charset="0"/>
+              <a:cs typeface="Times New Roman" panose="02020603050405020304" pitchFamily="18" charset="0"/>
+            </a:endParaRPr>
+          </a:p>
+          <a:p>
+            <a:pPr marL="0" indent="0">
+              <a:lnSpc>
+                <a:spcPct val="115000"/>
+              </a:lnSpc>
+              <a:spcAft>
+                <a:spcPts val="800"/>
+              </a:spcAft>
+              <a:buNone/>
+            </a:pPr>
             <a:endParaRPr lang="ru-RU" dirty="0"/>
           </a:p>
         </p:txBody>
@@ -12857,40 +13019,6 @@
               </a:rPr>
               <a:t> — набор модулей языка программирования Python, предназначенный для написания компьютерных игр и мультимедиа-приложений. </a:t>
             </a:r>
-            <a:r>
-              <a:rPr lang="ru-RU" dirty="0">
-                <a:effectLst/>
-                <a:latin typeface="Arial" panose="020B0604020202020204" pitchFamily="34" charset="0"/>
-                <a:ea typeface="Times New Roman" panose="02020603050405020304" pitchFamily="18" charset="0"/>
-              </a:rPr>
-              <a:t> </a:t>
-            </a:r>
-          </a:p>
-          <a:p>
-            <a:pPr>
-              <a:lnSpc>
-                <a:spcPct val="115000"/>
-              </a:lnSpc>
-              <a:spcAft>
-                <a:spcPts val="800"/>
-              </a:spcAft>
-            </a:pPr>
-            <a:r>
-              <a:rPr lang="ru-RU" dirty="0" err="1">
-                <a:effectLst/>
-                <a:latin typeface="Arial" panose="020B0604020202020204" pitchFamily="34" charset="0"/>
-                <a:ea typeface="Times New Roman" panose="02020603050405020304" pitchFamily="18" charset="0"/>
-              </a:rPr>
-              <a:t>Sqlite</a:t>
-            </a:r>
-            <a:r>
-              <a:rPr lang="ru-RU" dirty="0">
-                <a:effectLst/>
-                <a:latin typeface="Arial" panose="020B0604020202020204" pitchFamily="34" charset="0"/>
-                <a:ea typeface="Times New Roman" panose="02020603050405020304" pitchFamily="18" charset="0"/>
-              </a:rPr>
-              <a:t> - компактная встраиваемая СУБД. С помощью данного модуля будет добавление и выведение расписания</a:t>
-            </a:r>
             <a:endParaRPr lang="ru-RU" dirty="0"/>
           </a:p>
         </p:txBody>
@@ -12909,6 +13037,220 @@
 </file>
 
 <file path=ppt/slides/slide4.xml><?xml version="1.0" encoding="utf-8"?>
+<p:sld xmlns:a="http://schemas.openxmlformats.org/drawingml/2006/main" xmlns:r="http://schemas.openxmlformats.org/officeDocument/2006/relationships" xmlns:p="http://schemas.openxmlformats.org/presentationml/2006/main">
+  <p:cSld>
+    <p:spTree>
+      <p:nvGrpSpPr>
+        <p:cNvPr id="1" name=""/>
+        <p:cNvGrpSpPr/>
+        <p:nvPr/>
+      </p:nvGrpSpPr>
+      <p:grpSpPr>
+        <a:xfrm>
+          <a:off x="0" y="0"/>
+          <a:ext cx="0" cy="0"/>
+          <a:chOff x="0" y="0"/>
+          <a:chExt cx="0" cy="0"/>
+        </a:xfrm>
+      </p:grpSpPr>
+      <p:sp>
+        <p:nvSpPr>
+          <p:cNvPr id="2" name="Заголовок 1">
+            <a:extLst>
+              <a:ext uri="{FF2B5EF4-FFF2-40B4-BE49-F238E27FC236}">
+                <a16:creationId xmlns:a16="http://schemas.microsoft.com/office/drawing/2014/main" id="{9773B221-7690-4CD3-8D55-36051A97431B}"/>
+              </a:ext>
+            </a:extLst>
+          </p:cNvPr>
+          <p:cNvSpPr>
+            <a:spLocks noGrp="1"/>
+          </p:cNvSpPr>
+          <p:nvPr>
+            <p:ph type="title"/>
+          </p:nvPr>
+        </p:nvSpPr>
+        <p:spPr/>
+        <p:txBody>
+          <a:bodyPr/>
+          <a:lstStyle/>
+          <a:p>
+            <a:pPr algn="ctr"/>
+            <a:r>
+              <a:rPr lang="ru-RU" cap="none" dirty="0"/>
+              <a:t>Структура</a:t>
+            </a:r>
+            <a:endParaRPr lang="ru-RU" dirty="0"/>
+          </a:p>
+        </p:txBody>
+      </p:sp>
+      <p:sp>
+        <p:nvSpPr>
+          <p:cNvPr id="3" name="Объект 2">
+            <a:extLst>
+              <a:ext uri="{FF2B5EF4-FFF2-40B4-BE49-F238E27FC236}">
+                <a16:creationId xmlns:a16="http://schemas.microsoft.com/office/drawing/2014/main" id="{3E144BF2-3390-4B21-96D7-5020D4006F54}"/>
+              </a:ext>
+            </a:extLst>
+          </p:cNvPr>
+          <p:cNvSpPr>
+            <a:spLocks noGrp="1"/>
+          </p:cNvSpPr>
+          <p:nvPr>
+            <p:ph idx="1"/>
+          </p:nvPr>
+        </p:nvSpPr>
+        <p:spPr>
+          <a:xfrm flipH="1" flipV="1">
+            <a:off x="11047411" y="5791200"/>
+            <a:ext cx="45719" cy="109085"/>
+          </a:xfrm>
+        </p:spPr>
+        <p:txBody>
+          <a:bodyPr>
+            <a:normAutofit fontScale="25000" lnSpcReduction="20000"/>
+          </a:bodyPr>
+          <a:lstStyle/>
+          <a:p>
+            <a:endParaRPr lang="ru-RU" dirty="0"/>
+          </a:p>
+        </p:txBody>
+      </p:sp>
+      <p:pic>
+        <p:nvPicPr>
+          <p:cNvPr id="5" name="Рисунок 4">
+            <a:extLst>
+              <a:ext uri="{FF2B5EF4-FFF2-40B4-BE49-F238E27FC236}">
+                <a16:creationId xmlns:a16="http://schemas.microsoft.com/office/drawing/2014/main" id="{D6157B2A-88DC-472B-AEC3-4F3ABB72D7B7}"/>
+              </a:ext>
+            </a:extLst>
+          </p:cNvPr>
+          <p:cNvPicPr>
+            <a:picLocks noChangeAspect="1"/>
+          </p:cNvPicPr>
+          <p:nvPr/>
+        </p:nvPicPr>
+        <p:blipFill rotWithShape="1">
+          <a:blip r:embed="rId2">
+            <a:extLst>
+              <a:ext uri="{28A0092B-C50C-407E-A947-70E740481C1C}">
+                <a14:useLocalDpi xmlns:a14="http://schemas.microsoft.com/office/drawing/2010/main" val="0"/>
+              </a:ext>
+            </a:extLst>
+          </a:blip>
+          <a:srcRect l="27806" t="21343" r="26124" b="34148"/>
+          <a:stretch/>
+        </p:blipFill>
+        <p:spPr bwMode="auto">
+          <a:xfrm>
+            <a:off x="338086" y="1899810"/>
+            <a:ext cx="4998634" cy="2716497"/>
+          </a:xfrm>
+          <a:prstGeom prst="rect">
+            <a:avLst/>
+          </a:prstGeom>
+          <a:ln>
+            <a:noFill/>
+          </a:ln>
+          <a:extLst>
+            <a:ext uri="{53640926-AAD7-44D8-BBD7-CCE9431645EC}">
+              <a14:shadowObscured xmlns:a14="http://schemas.microsoft.com/office/drawing/2010/main"/>
+            </a:ext>
+          </a:extLst>
+        </p:spPr>
+      </p:pic>
+      <p:pic>
+        <p:nvPicPr>
+          <p:cNvPr id="6" name="Рисунок 5">
+            <a:extLst>
+              <a:ext uri="{FF2B5EF4-FFF2-40B4-BE49-F238E27FC236}">
+                <a16:creationId xmlns:a16="http://schemas.microsoft.com/office/drawing/2014/main" id="{42884A0C-8D42-413B-A658-8A04955A83B0}"/>
+              </a:ext>
+            </a:extLst>
+          </p:cNvPr>
+          <p:cNvPicPr>
+            <a:picLocks noChangeAspect="1"/>
+          </p:cNvPicPr>
+          <p:nvPr/>
+        </p:nvPicPr>
+        <p:blipFill rotWithShape="1">
+          <a:blip r:embed="rId3">
+            <a:extLst>
+              <a:ext uri="{28A0092B-C50C-407E-A947-70E740481C1C}">
+                <a14:useLocalDpi xmlns:a14="http://schemas.microsoft.com/office/drawing/2010/main" val="0"/>
+              </a:ext>
+            </a:extLst>
+          </a:blip>
+          <a:srcRect l="27799" t="12951" r="38436" b="59687"/>
+          <a:stretch/>
+        </p:blipFill>
+        <p:spPr bwMode="auto">
+          <a:xfrm>
+            <a:off x="6385682" y="1928587"/>
+            <a:ext cx="5465056" cy="2490442"/>
+          </a:xfrm>
+          <a:prstGeom prst="rect">
+            <a:avLst/>
+          </a:prstGeom>
+          <a:ln>
+            <a:noFill/>
+          </a:ln>
+          <a:extLst>
+            <a:ext uri="{53640926-AAD7-44D8-BBD7-CCE9431645EC}">
+              <a14:shadowObscured xmlns:a14="http://schemas.microsoft.com/office/drawing/2010/main"/>
+            </a:ext>
+          </a:extLst>
+        </p:spPr>
+      </p:pic>
+      <p:pic>
+        <p:nvPicPr>
+          <p:cNvPr id="4" name="Рисунок 3">
+            <a:extLst>
+              <a:ext uri="{FF2B5EF4-FFF2-40B4-BE49-F238E27FC236}">
+                <a16:creationId xmlns:a16="http://schemas.microsoft.com/office/drawing/2014/main" id="{61C14972-02F9-42D3-9D35-6F3146945955}"/>
+              </a:ext>
+            </a:extLst>
+          </p:cNvPr>
+          <p:cNvPicPr>
+            <a:picLocks noChangeAspect="1"/>
+          </p:cNvPicPr>
+          <p:nvPr/>
+        </p:nvPicPr>
+        <p:blipFill>
+          <a:blip r:embed="rId4">
+            <a:extLst>
+              <a:ext uri="{28A0092B-C50C-407E-A947-70E740481C1C}">
+                <a14:useLocalDpi xmlns:a14="http://schemas.microsoft.com/office/drawing/2010/main" val="0"/>
+              </a:ext>
+            </a:extLst>
+          </a:blip>
+          <a:stretch>
+            <a:fillRect/>
+          </a:stretch>
+        </p:blipFill>
+        <p:spPr>
+          <a:xfrm>
+            <a:off x="4001474" y="4059571"/>
+            <a:ext cx="3109176" cy="2091088"/>
+          </a:xfrm>
+          <a:prstGeom prst="rect">
+            <a:avLst/>
+          </a:prstGeom>
+        </p:spPr>
+      </p:pic>
+    </p:spTree>
+    <p:extLst>
+      <p:ext uri="{BB962C8B-B14F-4D97-AF65-F5344CB8AC3E}">
+        <p14:creationId xmlns:p14="http://schemas.microsoft.com/office/powerpoint/2010/main" val="2619166453"/>
+      </p:ext>
+    </p:extLst>
+  </p:cSld>
+  <p:clrMapOvr>
+    <a:masterClrMapping/>
+  </p:clrMapOvr>
+</p:sld>
+</file>
+
+<file path=ppt/slides/slide5.xml><?xml version="1.0" encoding="utf-8"?>
 <p:sld xmlns:a="http://schemas.openxmlformats.org/drawingml/2006/main" xmlns:r="http://schemas.openxmlformats.org/officeDocument/2006/relationships" xmlns:p="http://schemas.openxmlformats.org/presentationml/2006/main">
   <p:cSld>
     <p:spTree>

--- a/Презентация по проекту.pptx
+++ b/Презентация по проекту.pptx
@@ -9,7 +9,10 @@
     <p:sldId id="257" r:id="rId3"/>
     <p:sldId id="260" r:id="rId4"/>
     <p:sldId id="261" r:id="rId5"/>
-    <p:sldId id="259" r:id="rId6"/>
+    <p:sldId id="262" r:id="rId6"/>
+    <p:sldId id="263" r:id="rId7"/>
+    <p:sldId id="264" r:id="rId8"/>
+    <p:sldId id="259" r:id="rId9"/>
   </p:sldIdLst>
   <p:sldSz cx="12192000" cy="6858000"/>
   <p:notesSz cx="6858000" cy="9144000"/>
@@ -114,6 +117,32 @@
     </p:ext>
   </p:extLst>
 </p:presentation>
+</file>
+
+<file path=ppt/commentAuthors.xml><?xml version="1.0" encoding="utf-8"?>
+<p:cmAuthorLst xmlns:a="http://schemas.openxmlformats.org/drawingml/2006/main" xmlns:r="http://schemas.openxmlformats.org/officeDocument/2006/relationships" xmlns:p="http://schemas.openxmlformats.org/presentationml/2006/main">
+  <p:cmAuthor id="1" name="Маргарита Чушкина" initials="МЧ" lastIdx="1" clrIdx="0">
+    <p:extLst>
+      <p:ext uri="{19B8F6BF-5375-455C-9EA6-DF929625EA0E}">
+        <p15:presenceInfo xmlns:p15="http://schemas.microsoft.com/office/powerpoint/2012/main" userId="f6a0074a81c1b98e" providerId="Windows Live"/>
+      </p:ext>
+    </p:extLst>
+  </p:cmAuthor>
+</p:cmAuthorLst>
+</file>
+
+<file path=ppt/comments/comment1.xml><?xml version="1.0" encoding="utf-8"?>
+<p:cmLst xmlns:a="http://schemas.openxmlformats.org/drawingml/2006/main" xmlns:r="http://schemas.openxmlformats.org/officeDocument/2006/relationships" xmlns:p="http://schemas.openxmlformats.org/presentationml/2006/main">
+  <p:cm authorId="1" dt="2022-01-22T16:01:05.565" idx="1">
+    <p:pos x="5822" y="1417"/>
+    <p:text/>
+    <p:extLst>
+      <p:ext uri="{C676402C-5697-4E1C-873F-D02D1690AC5C}">
+        <p15:threadingInfo xmlns:p15="http://schemas.microsoft.com/office/powerpoint/2012/main" timeZoneBias="-180"/>
+      </p:ext>
+    </p:extLst>
+  </p:cm>
+</p:cmLst>
 </file>
 
 <file path=ppt/slideLayouts/slideLayout1.xml><?xml version="1.0" encoding="utf-8"?>
@@ -13272,6 +13301,290 @@
           <p:cNvPr id="2" name="Заголовок 1">
             <a:extLst>
               <a:ext uri="{FF2B5EF4-FFF2-40B4-BE49-F238E27FC236}">
+                <a16:creationId xmlns:a16="http://schemas.microsoft.com/office/drawing/2014/main" id="{7B0A0594-7CBC-4903-8BDE-7A35FD6F3DD9}"/>
+              </a:ext>
+            </a:extLst>
+          </p:cNvPr>
+          <p:cNvSpPr>
+            <a:spLocks noGrp="1"/>
+          </p:cNvSpPr>
+          <p:nvPr>
+            <p:ph type="title"/>
+          </p:nvPr>
+        </p:nvSpPr>
+        <p:spPr/>
+        <p:txBody>
+          <a:bodyPr>
+            <a:normAutofit/>
+          </a:bodyPr>
+          <a:lstStyle/>
+          <a:p>
+            <a:pPr algn="ctr"/>
+            <a:r>
+              <a:rPr lang="ru-RU" sz="2800" dirty="0">
+                <a:latin typeface="Arial" panose="020B0604020202020204" pitchFamily="34" charset="0"/>
+                <a:cs typeface="Arial" panose="020B0604020202020204" pitchFamily="34" charset="0"/>
+              </a:rPr>
+              <a:t>Первый уровень</a:t>
+            </a:r>
+          </a:p>
+        </p:txBody>
+      </p:sp>
+      <p:pic>
+        <p:nvPicPr>
+          <p:cNvPr id="9" name="Объект 8">
+            <a:extLst>
+              <a:ext uri="{FF2B5EF4-FFF2-40B4-BE49-F238E27FC236}">
+                <a16:creationId xmlns:a16="http://schemas.microsoft.com/office/drawing/2014/main" id="{46A08F05-D25D-40B9-A0E1-AD1803A0B8B5}"/>
+              </a:ext>
+            </a:extLst>
+          </p:cNvPr>
+          <p:cNvPicPr>
+            <a:picLocks noGrp="1" noChangeAspect="1"/>
+          </p:cNvPicPr>
+          <p:nvPr>
+            <p:ph idx="1"/>
+          </p:nvPr>
+        </p:nvPicPr>
+        <p:blipFill rotWithShape="1">
+          <a:blip r:embed="rId2">
+            <a:extLst>
+              <a:ext uri="{28A0092B-C50C-407E-A947-70E740481C1C}">
+                <a14:useLocalDpi xmlns:a14="http://schemas.microsoft.com/office/drawing/2010/main" val="0"/>
+              </a:ext>
+            </a:extLst>
+          </a:blip>
+          <a:srcRect l="20471" t="1439" r="20674" b="7519"/>
+          <a:stretch/>
+        </p:blipFill>
+        <p:spPr>
+          <a:xfrm>
+            <a:off x="3431622" y="2097088"/>
+            <a:ext cx="5012430" cy="4361464"/>
+          </a:xfrm>
+        </p:spPr>
+      </p:pic>
+    </p:spTree>
+    <p:extLst>
+      <p:ext uri="{BB962C8B-B14F-4D97-AF65-F5344CB8AC3E}">
+        <p14:creationId xmlns:p14="http://schemas.microsoft.com/office/powerpoint/2010/main" val="3803360884"/>
+      </p:ext>
+    </p:extLst>
+  </p:cSld>
+  <p:clrMapOvr>
+    <a:masterClrMapping/>
+  </p:clrMapOvr>
+</p:sld>
+</file>
+
+<file path=ppt/slides/slide6.xml><?xml version="1.0" encoding="utf-8"?>
+<p:sld xmlns:a="http://schemas.openxmlformats.org/drawingml/2006/main" xmlns:r="http://schemas.openxmlformats.org/officeDocument/2006/relationships" xmlns:p="http://schemas.openxmlformats.org/presentationml/2006/main">
+  <p:cSld>
+    <p:spTree>
+      <p:nvGrpSpPr>
+        <p:cNvPr id="1" name=""/>
+        <p:cNvGrpSpPr/>
+        <p:nvPr/>
+      </p:nvGrpSpPr>
+      <p:grpSpPr>
+        <a:xfrm>
+          <a:off x="0" y="0"/>
+          <a:ext cx="0" cy="0"/>
+          <a:chOff x="0" y="0"/>
+          <a:chExt cx="0" cy="0"/>
+        </a:xfrm>
+      </p:grpSpPr>
+      <p:sp>
+        <p:nvSpPr>
+          <p:cNvPr id="2" name="Заголовок 1">
+            <a:extLst>
+              <a:ext uri="{FF2B5EF4-FFF2-40B4-BE49-F238E27FC236}">
+                <a16:creationId xmlns:a16="http://schemas.microsoft.com/office/drawing/2014/main" id="{425E7BDC-4844-45D4-BA9D-A90D694CC721}"/>
+              </a:ext>
+            </a:extLst>
+          </p:cNvPr>
+          <p:cNvSpPr>
+            <a:spLocks noGrp="1"/>
+          </p:cNvSpPr>
+          <p:nvPr>
+            <p:ph type="title"/>
+          </p:nvPr>
+        </p:nvSpPr>
+        <p:spPr/>
+        <p:txBody>
+          <a:bodyPr/>
+          <a:lstStyle/>
+          <a:p>
+            <a:pPr algn="ctr"/>
+            <a:r>
+              <a:rPr lang="ru-RU" dirty="0"/>
+              <a:t>Второй Уровень</a:t>
+            </a:r>
+          </a:p>
+        </p:txBody>
+      </p:sp>
+      <p:pic>
+        <p:nvPicPr>
+          <p:cNvPr id="5" name="Объект 4">
+            <a:extLst>
+              <a:ext uri="{FF2B5EF4-FFF2-40B4-BE49-F238E27FC236}">
+                <a16:creationId xmlns:a16="http://schemas.microsoft.com/office/drawing/2014/main" id="{42A5B0DF-C5A8-4056-BD96-13E6FC5808BD}"/>
+              </a:ext>
+            </a:extLst>
+          </p:cNvPr>
+          <p:cNvPicPr>
+            <a:picLocks noGrp="1" noChangeAspect="1"/>
+          </p:cNvPicPr>
+          <p:nvPr>
+            <p:ph idx="1"/>
+          </p:nvPr>
+        </p:nvPicPr>
+        <p:blipFill rotWithShape="1">
+          <a:blip r:embed="rId2">
+            <a:extLst>
+              <a:ext uri="{28A0092B-C50C-407E-A947-70E740481C1C}">
+                <a14:useLocalDpi xmlns:a14="http://schemas.microsoft.com/office/drawing/2010/main" val="0"/>
+              </a:ext>
+            </a:extLst>
+          </a:blip>
+          <a:srcRect l="21173" t="623" r="20522" b="7790"/>
+          <a:stretch/>
+        </p:blipFill>
+        <p:spPr>
+          <a:xfrm>
+            <a:off x="3298273" y="2002595"/>
+            <a:ext cx="5354839" cy="4731408"/>
+          </a:xfrm>
+        </p:spPr>
+      </p:pic>
+    </p:spTree>
+    <p:extLst>
+      <p:ext uri="{BB962C8B-B14F-4D97-AF65-F5344CB8AC3E}">
+        <p14:creationId xmlns:p14="http://schemas.microsoft.com/office/powerpoint/2010/main" val="800630110"/>
+      </p:ext>
+    </p:extLst>
+  </p:cSld>
+  <p:clrMapOvr>
+    <a:masterClrMapping/>
+  </p:clrMapOvr>
+</p:sld>
+</file>
+
+<file path=ppt/slides/slide7.xml><?xml version="1.0" encoding="utf-8"?>
+<p:sld xmlns:a="http://schemas.openxmlformats.org/drawingml/2006/main" xmlns:r="http://schemas.openxmlformats.org/officeDocument/2006/relationships" xmlns:p="http://schemas.openxmlformats.org/presentationml/2006/main">
+  <p:cSld>
+    <p:spTree>
+      <p:nvGrpSpPr>
+        <p:cNvPr id="1" name=""/>
+        <p:cNvGrpSpPr/>
+        <p:nvPr/>
+      </p:nvGrpSpPr>
+      <p:grpSpPr>
+        <a:xfrm>
+          <a:off x="0" y="0"/>
+          <a:ext cx="0" cy="0"/>
+          <a:chOff x="0" y="0"/>
+          <a:chExt cx="0" cy="0"/>
+        </a:xfrm>
+      </p:grpSpPr>
+      <p:sp>
+        <p:nvSpPr>
+          <p:cNvPr id="2" name="Заголовок 1">
+            <a:extLst>
+              <a:ext uri="{FF2B5EF4-FFF2-40B4-BE49-F238E27FC236}">
+                <a16:creationId xmlns:a16="http://schemas.microsoft.com/office/drawing/2014/main" id="{FE229910-4E00-4F77-8BC1-2CBFD245D245}"/>
+              </a:ext>
+            </a:extLst>
+          </p:cNvPr>
+          <p:cNvSpPr>
+            <a:spLocks noGrp="1"/>
+          </p:cNvSpPr>
+          <p:nvPr>
+            <p:ph type="title"/>
+          </p:nvPr>
+        </p:nvSpPr>
+        <p:spPr/>
+        <p:txBody>
+          <a:bodyPr/>
+          <a:lstStyle/>
+          <a:p>
+            <a:pPr algn="ctr"/>
+            <a:r>
+              <a:rPr lang="ru-RU"/>
+              <a:t>Третий уровень</a:t>
+            </a:r>
+          </a:p>
+        </p:txBody>
+      </p:sp>
+      <p:pic>
+        <p:nvPicPr>
+          <p:cNvPr id="5" name="Объект 4">
+            <a:extLst>
+              <a:ext uri="{FF2B5EF4-FFF2-40B4-BE49-F238E27FC236}">
+                <a16:creationId xmlns:a16="http://schemas.microsoft.com/office/drawing/2014/main" id="{8F46EA8D-899E-47EC-89D6-C7D75866F79F}"/>
+              </a:ext>
+            </a:extLst>
+          </p:cNvPr>
+          <p:cNvPicPr>
+            <a:picLocks noGrp="1" noChangeAspect="1"/>
+          </p:cNvPicPr>
+          <p:nvPr>
+            <p:ph idx="1"/>
+          </p:nvPr>
+        </p:nvPicPr>
+        <p:blipFill rotWithShape="1">
+          <a:blip r:embed="rId2">
+            <a:extLst>
+              <a:ext uri="{28A0092B-C50C-407E-A947-70E740481C1C}">
+                <a14:useLocalDpi xmlns:a14="http://schemas.microsoft.com/office/drawing/2010/main" val="0"/>
+              </a:ext>
+            </a:extLst>
+          </a:blip>
+          <a:srcRect l="21082" t="623" r="21133" b="6432"/>
+          <a:stretch/>
+        </p:blipFill>
+        <p:spPr>
+          <a:xfrm>
+            <a:off x="3541295" y="2097088"/>
+            <a:ext cx="5109410" cy="4622800"/>
+          </a:xfrm>
+        </p:spPr>
+      </p:pic>
+    </p:spTree>
+    <p:extLst>
+      <p:ext uri="{BB962C8B-B14F-4D97-AF65-F5344CB8AC3E}">
+        <p14:creationId xmlns:p14="http://schemas.microsoft.com/office/powerpoint/2010/main" val="2899900679"/>
+      </p:ext>
+    </p:extLst>
+  </p:cSld>
+  <p:clrMapOvr>
+    <a:masterClrMapping/>
+  </p:clrMapOvr>
+</p:sld>
+</file>
+
+<file path=ppt/slides/slide8.xml><?xml version="1.0" encoding="utf-8"?>
+<p:sld xmlns:a="http://schemas.openxmlformats.org/drawingml/2006/main" xmlns:r="http://schemas.openxmlformats.org/officeDocument/2006/relationships" xmlns:p="http://schemas.openxmlformats.org/presentationml/2006/main">
+  <p:cSld>
+    <p:spTree>
+      <p:nvGrpSpPr>
+        <p:cNvPr id="1" name=""/>
+        <p:cNvGrpSpPr/>
+        <p:nvPr/>
+      </p:nvGrpSpPr>
+      <p:grpSpPr>
+        <a:xfrm>
+          <a:off x="0" y="0"/>
+          <a:ext cx="0" cy="0"/>
+          <a:chOff x="0" y="0"/>
+          <a:chExt cx="0" cy="0"/>
+        </a:xfrm>
+      </p:grpSpPr>
+      <p:sp>
+        <p:nvSpPr>
+          <p:cNvPr id="2" name="Заголовок 1">
+            <a:extLst>
+              <a:ext uri="{FF2B5EF4-FFF2-40B4-BE49-F238E27FC236}">
                 <a16:creationId xmlns:a16="http://schemas.microsoft.com/office/drawing/2014/main" id="{8483A334-023E-436D-B9EB-22AAA3B0BEC6}"/>
               </a:ext>
             </a:extLst>

--- a/Презентация по проекту.pptx
+++ b/Презентация по проекту.pptx
@@ -131,20 +131,6 @@
 </p:cmAuthorLst>
 </file>
 
-<file path=ppt/comments/comment1.xml><?xml version="1.0" encoding="utf-8"?>
-<p:cmLst xmlns:a="http://schemas.openxmlformats.org/drawingml/2006/main" xmlns:r="http://schemas.openxmlformats.org/officeDocument/2006/relationships" xmlns:p="http://schemas.openxmlformats.org/presentationml/2006/main">
-  <p:cm authorId="1" dt="2022-01-22T16:01:05.565" idx="1">
-    <p:pos x="5822" y="1417"/>
-    <p:text/>
-    <p:extLst>
-      <p:ext uri="{C676402C-5697-4E1C-873F-D02D1690AC5C}">
-        <p15:threadingInfo xmlns:p15="http://schemas.microsoft.com/office/powerpoint/2012/main" timeZoneBias="-180"/>
-      </p:ext>
-    </p:extLst>
-  </p:cm>
-</p:cmLst>
-</file>
-
 <file path=ppt/slideLayouts/slideLayout1.xml><?xml version="1.0" encoding="utf-8"?>
 <p:sldLayout xmlns:a="http://schemas.openxmlformats.org/drawingml/2006/main" xmlns:r="http://schemas.openxmlformats.org/officeDocument/2006/relationships" xmlns:p="http://schemas.openxmlformats.org/presentationml/2006/main" showMasterSp="0" type="title" preserve="1">
   <p:cSld name="Титульный слайд">
@@ -195,7 +181,7 @@
           <a:noFill/>
           <a:extLst>
             <a:ext uri="{909E8E84-426E-40dd-AFC4-6F175D3DCCD1}">
-              <a14:hiddenFill xmlns:a14="http://schemas.microsoft.com/office/drawing/2010/main" xmlns="">
+              <a14:hiddenFill xmlns="" xmlns:a14="http://schemas.microsoft.com/office/drawing/2010/main">
                 <a:solidFill>
                   <a:srgbClr val="FFFFFF"/>
                 </a:solidFill>
@@ -255,7 +241,7 @@
             </a:ln>
             <a:extLst>
               <a:ext uri="{91240B29-F687-4f45-9708-019B960494DF}">
-                <a14:hiddenLine xmlns:a14="http://schemas.microsoft.com/office/drawing/2010/main" xmlns="" w="9525">
+                <a14:hiddenLine xmlns="" xmlns:a14="http://schemas.microsoft.com/office/drawing/2010/main" w="9525">
                   <a:solidFill>
                     <a:srgbClr val="000000"/>
                   </a:solidFill>
@@ -345,7 +331,7 @@
             </a:ln>
             <a:extLst>
               <a:ext uri="{91240B29-F687-4f45-9708-019B960494DF}">
-                <a14:hiddenLine xmlns:a14="http://schemas.microsoft.com/office/drawing/2010/main" xmlns="" w="9525">
+                <a14:hiddenLine xmlns="" xmlns:a14="http://schemas.microsoft.com/office/drawing/2010/main" w="9525">
                   <a:solidFill>
                     <a:srgbClr val="000000"/>
                   </a:solidFill>
@@ -435,7 +421,7 @@
             </a:ln>
             <a:extLst>
               <a:ext uri="{91240B29-F687-4f45-9708-019B960494DF}">
-                <a14:hiddenLine xmlns:a14="http://schemas.microsoft.com/office/drawing/2010/main" xmlns="" w="9525">
+                <a14:hiddenLine xmlns="" xmlns:a14="http://schemas.microsoft.com/office/drawing/2010/main" w="9525">
                   <a:solidFill>
                     <a:srgbClr val="000000"/>
                   </a:solidFill>
@@ -469,7 +455,7 @@
             </a:ln>
             <a:extLst>
               <a:ext uri="{91240B29-F687-4f45-9708-019B960494DF}">
-                <a14:hiddenLine xmlns:a14="http://schemas.microsoft.com/office/drawing/2010/main" xmlns="" w="9525">
+                <a14:hiddenLine xmlns="" xmlns:a14="http://schemas.microsoft.com/office/drawing/2010/main" w="9525">
                   <a:solidFill>
                     <a:srgbClr val="000000"/>
                   </a:solidFill>
@@ -559,7 +545,7 @@
             </a:ln>
             <a:extLst>
               <a:ext uri="{91240B29-F687-4f45-9708-019B960494DF}">
-                <a14:hiddenLine xmlns:a14="http://schemas.microsoft.com/office/drawing/2010/main" xmlns="" w="9525">
+                <a14:hiddenLine xmlns="" xmlns:a14="http://schemas.microsoft.com/office/drawing/2010/main" w="9525">
                   <a:solidFill>
                     <a:srgbClr val="000000"/>
                   </a:solidFill>
@@ -621,7 +607,7 @@
             </a:ln>
             <a:extLst>
               <a:ext uri="{91240B29-F687-4f45-9708-019B960494DF}">
-                <a14:hiddenLine xmlns:a14="http://schemas.microsoft.com/office/drawing/2010/main" xmlns="" w="9525">
+                <a14:hiddenLine xmlns="" xmlns:a14="http://schemas.microsoft.com/office/drawing/2010/main" w="9525">
                   <a:solidFill>
                     <a:srgbClr val="000000"/>
                   </a:solidFill>
@@ -683,7 +669,7 @@
             </a:ln>
             <a:extLst>
               <a:ext uri="{91240B29-F687-4f45-9708-019B960494DF}">
-                <a14:hiddenLine xmlns:a14="http://schemas.microsoft.com/office/drawing/2010/main" xmlns="" w="9525">
+                <a14:hiddenLine xmlns="" xmlns:a14="http://schemas.microsoft.com/office/drawing/2010/main" w="9525">
                   <a:solidFill>
                     <a:srgbClr val="000000"/>
                   </a:solidFill>
@@ -773,7 +759,7 @@
             </a:ln>
             <a:extLst>
               <a:ext uri="{91240B29-F687-4f45-9708-019B960494DF}">
-                <a14:hiddenLine xmlns:a14="http://schemas.microsoft.com/office/drawing/2010/main" xmlns="" w="9525">
+                <a14:hiddenLine xmlns="" xmlns:a14="http://schemas.microsoft.com/office/drawing/2010/main" w="9525">
                   <a:solidFill>
                     <a:srgbClr val="000000"/>
                   </a:solidFill>
@@ -835,7 +821,7 @@
             </a:ln>
             <a:extLst>
               <a:ext uri="{91240B29-F687-4f45-9708-019B960494DF}">
-                <a14:hiddenLine xmlns:a14="http://schemas.microsoft.com/office/drawing/2010/main" xmlns="" w="9525">
+                <a14:hiddenLine xmlns="" xmlns:a14="http://schemas.microsoft.com/office/drawing/2010/main" w="9525">
                   <a:solidFill>
                     <a:srgbClr val="000000"/>
                   </a:solidFill>
@@ -897,7 +883,7 @@
             </a:ln>
             <a:extLst>
               <a:ext uri="{91240B29-F687-4f45-9708-019B960494DF}">
-                <a14:hiddenLine xmlns:a14="http://schemas.microsoft.com/office/drawing/2010/main" xmlns="" w="9525">
+                <a14:hiddenLine xmlns="" xmlns:a14="http://schemas.microsoft.com/office/drawing/2010/main" w="9525">
                   <a:solidFill>
                     <a:srgbClr val="000000"/>
                   </a:solidFill>
@@ -987,7 +973,7 @@
             </a:ln>
             <a:extLst>
               <a:ext uri="{91240B29-F687-4f45-9708-019B960494DF}">
-                <a14:hiddenLine xmlns:a14="http://schemas.microsoft.com/office/drawing/2010/main" xmlns="" w="9525">
+                <a14:hiddenLine xmlns="" xmlns:a14="http://schemas.microsoft.com/office/drawing/2010/main" w="9525">
                   <a:solidFill>
                     <a:srgbClr val="000000"/>
                   </a:solidFill>
@@ -1077,7 +1063,7 @@
             </a:ln>
             <a:extLst>
               <a:ext uri="{91240B29-F687-4f45-9708-019B960494DF}">
-                <a14:hiddenLine xmlns:a14="http://schemas.microsoft.com/office/drawing/2010/main" xmlns="" w="9525">
+                <a14:hiddenLine xmlns="" xmlns:a14="http://schemas.microsoft.com/office/drawing/2010/main" w="9525">
                   <a:solidFill>
                     <a:srgbClr val="000000"/>
                   </a:solidFill>
@@ -1139,7 +1125,7 @@
             </a:ln>
             <a:extLst>
               <a:ext uri="{91240B29-F687-4f45-9708-019B960494DF}">
-                <a14:hiddenLine xmlns:a14="http://schemas.microsoft.com/office/drawing/2010/main" xmlns="" w="9525">
+                <a14:hiddenLine xmlns="" xmlns:a14="http://schemas.microsoft.com/office/drawing/2010/main" w="9525">
                   <a:solidFill>
                     <a:srgbClr val="000000"/>
                   </a:solidFill>
@@ -1249,7 +1235,7 @@
             </a:ln>
             <a:extLst>
               <a:ext uri="{91240B29-F687-4f45-9708-019B960494DF}">
-                <a14:hiddenLine xmlns:a14="http://schemas.microsoft.com/office/drawing/2010/main" xmlns="" w="9525">
+                <a14:hiddenLine xmlns="" xmlns:a14="http://schemas.microsoft.com/office/drawing/2010/main" w="9525">
                   <a:solidFill>
                     <a:srgbClr val="000000"/>
                   </a:solidFill>
@@ -1311,7 +1297,7 @@
             </a:ln>
             <a:extLst>
               <a:ext uri="{91240B29-F687-4f45-9708-019B960494DF}">
-                <a14:hiddenLine xmlns:a14="http://schemas.microsoft.com/office/drawing/2010/main" xmlns="" w="9525">
+                <a14:hiddenLine xmlns="" xmlns:a14="http://schemas.microsoft.com/office/drawing/2010/main" w="9525">
                   <a:solidFill>
                     <a:srgbClr val="000000"/>
                   </a:solidFill>
@@ -1401,7 +1387,7 @@
             </a:ln>
             <a:extLst>
               <a:ext uri="{91240B29-F687-4f45-9708-019B960494DF}">
-                <a14:hiddenLine xmlns:a14="http://schemas.microsoft.com/office/drawing/2010/main" xmlns="" w="9525">
+                <a14:hiddenLine xmlns="" xmlns:a14="http://schemas.microsoft.com/office/drawing/2010/main" w="9525">
                   <a:solidFill>
                     <a:srgbClr val="000000"/>
                   </a:solidFill>
@@ -1491,7 +1477,7 @@
             </a:ln>
             <a:extLst>
               <a:ext uri="{91240B29-F687-4f45-9708-019B960494DF}">
-                <a14:hiddenLine xmlns:a14="http://schemas.microsoft.com/office/drawing/2010/main" xmlns="" w="9525">
+                <a14:hiddenLine xmlns="" xmlns:a14="http://schemas.microsoft.com/office/drawing/2010/main" w="9525">
                   <a:solidFill>
                     <a:srgbClr val="000000"/>
                   </a:solidFill>
@@ -1553,7 +1539,7 @@
             </a:ln>
             <a:extLst>
               <a:ext uri="{91240B29-F687-4f45-9708-019B960494DF}">
-                <a14:hiddenLine xmlns:a14="http://schemas.microsoft.com/office/drawing/2010/main" xmlns="" w="9525">
+                <a14:hiddenLine xmlns="" xmlns:a14="http://schemas.microsoft.com/office/drawing/2010/main" w="9525">
                   <a:solidFill>
                     <a:srgbClr val="000000"/>
                   </a:solidFill>
@@ -1643,7 +1629,7 @@
             </a:ln>
             <a:extLst>
               <a:ext uri="{91240B29-F687-4f45-9708-019B960494DF}">
-                <a14:hiddenLine xmlns:a14="http://schemas.microsoft.com/office/drawing/2010/main" xmlns="" w="9525">
+                <a14:hiddenLine xmlns="" xmlns:a14="http://schemas.microsoft.com/office/drawing/2010/main" w="9525">
                   <a:solidFill>
                     <a:srgbClr val="000000"/>
                   </a:solidFill>
@@ -1733,7 +1719,7 @@
             </a:ln>
             <a:extLst>
               <a:ext uri="{91240B29-F687-4f45-9708-019B960494DF}">
-                <a14:hiddenLine xmlns:a14="http://schemas.microsoft.com/office/drawing/2010/main" xmlns="" w="9525">
+                <a14:hiddenLine xmlns="" xmlns:a14="http://schemas.microsoft.com/office/drawing/2010/main" w="9525">
                   <a:solidFill>
                     <a:srgbClr val="000000"/>
                   </a:solidFill>
@@ -1789,7 +1775,7 @@
             </a:ln>
             <a:extLst>
               <a:ext uri="{91240B29-F687-4f45-9708-019B960494DF}">
-                <a14:hiddenLine xmlns:a14="http://schemas.microsoft.com/office/drawing/2010/main" xmlns="" w="9525">
+                <a14:hiddenLine xmlns="" xmlns:a14="http://schemas.microsoft.com/office/drawing/2010/main" w="9525">
                   <a:solidFill>
                     <a:srgbClr val="000000"/>
                   </a:solidFill>
@@ -1879,7 +1865,7 @@
             </a:ln>
             <a:extLst>
               <a:ext uri="{91240B29-F687-4f45-9708-019B960494DF}">
-                <a14:hiddenLine xmlns:a14="http://schemas.microsoft.com/office/drawing/2010/main" xmlns="" w="9525">
+                <a14:hiddenLine xmlns="" xmlns:a14="http://schemas.microsoft.com/office/drawing/2010/main" w="9525">
                   <a:solidFill>
                     <a:srgbClr val="000000"/>
                   </a:solidFill>
@@ -1935,7 +1921,7 @@
             </a:ln>
             <a:extLst>
               <a:ext uri="{91240B29-F687-4f45-9708-019B960494DF}">
-                <a14:hiddenLine xmlns:a14="http://schemas.microsoft.com/office/drawing/2010/main" xmlns="" w="9525">
+                <a14:hiddenLine xmlns="" xmlns:a14="http://schemas.microsoft.com/office/drawing/2010/main" w="9525">
                   <a:solidFill>
                     <a:srgbClr val="000000"/>
                   </a:solidFill>
@@ -2025,7 +2011,7 @@
             </a:ln>
             <a:extLst>
               <a:ext uri="{91240B29-F687-4f45-9708-019B960494DF}">
-                <a14:hiddenLine xmlns:a14="http://schemas.microsoft.com/office/drawing/2010/main" xmlns="" w="9525">
+                <a14:hiddenLine xmlns="" xmlns:a14="http://schemas.microsoft.com/office/drawing/2010/main" w="9525">
                   <a:solidFill>
                     <a:srgbClr val="000000"/>
                   </a:solidFill>
@@ -2093,7 +2079,7 @@
             </a:ln>
             <a:extLst>
               <a:ext uri="{91240B29-F687-4f45-9708-019B960494DF}">
-                <a14:hiddenLine xmlns:a14="http://schemas.microsoft.com/office/drawing/2010/main" xmlns="" w="9525">
+                <a14:hiddenLine xmlns="" xmlns:a14="http://schemas.microsoft.com/office/drawing/2010/main" w="9525">
                   <a:solidFill>
                     <a:srgbClr val="000000"/>
                   </a:solidFill>
@@ -2183,7 +2169,7 @@
             </a:ln>
             <a:extLst>
               <a:ext uri="{91240B29-F687-4f45-9708-019B960494DF}">
-                <a14:hiddenLine xmlns:a14="http://schemas.microsoft.com/office/drawing/2010/main" xmlns="" w="9525">
+                <a14:hiddenLine xmlns="" xmlns:a14="http://schemas.microsoft.com/office/drawing/2010/main" w="9525">
                   <a:solidFill>
                     <a:srgbClr val="000000"/>
                   </a:solidFill>
@@ -2251,7 +2237,7 @@
             </a:ln>
             <a:extLst>
               <a:ext uri="{91240B29-F687-4f45-9708-019B960494DF}">
-                <a14:hiddenLine xmlns:a14="http://schemas.microsoft.com/office/drawing/2010/main" xmlns="" w="9525">
+                <a14:hiddenLine xmlns="" xmlns:a14="http://schemas.microsoft.com/office/drawing/2010/main" w="9525">
                   <a:solidFill>
                     <a:srgbClr val="000000"/>
                   </a:solidFill>
@@ -2341,7 +2327,7 @@
             </a:ln>
             <a:extLst>
               <a:ext uri="{91240B29-F687-4f45-9708-019B960494DF}">
-                <a14:hiddenLine xmlns:a14="http://schemas.microsoft.com/office/drawing/2010/main" xmlns="" w="9525">
+                <a14:hiddenLine xmlns="" xmlns:a14="http://schemas.microsoft.com/office/drawing/2010/main" w="9525">
                   <a:solidFill>
                     <a:srgbClr val="000000"/>
                   </a:solidFill>
@@ -2375,7 +2361,7 @@
             </a:ln>
             <a:extLst>
               <a:ext uri="{91240B29-F687-4f45-9708-019B960494DF}">
-                <a14:hiddenLine xmlns:a14="http://schemas.microsoft.com/office/drawing/2010/main" xmlns="" w="9525">
+                <a14:hiddenLine xmlns="" xmlns:a14="http://schemas.microsoft.com/office/drawing/2010/main" w="9525">
                   <a:solidFill>
                     <a:srgbClr val="000000"/>
                   </a:solidFill>
@@ -2465,7 +2451,7 @@
             </a:ln>
             <a:extLst>
               <a:ext uri="{91240B29-F687-4f45-9708-019B960494DF}">
-                <a14:hiddenLine xmlns:a14="http://schemas.microsoft.com/office/drawing/2010/main" xmlns="" w="9525">
+                <a14:hiddenLine xmlns="" xmlns:a14="http://schemas.microsoft.com/office/drawing/2010/main" w="9525">
                   <a:solidFill>
                     <a:srgbClr val="000000"/>
                   </a:solidFill>
@@ -2527,7 +2513,7 @@
             </a:ln>
             <a:extLst>
               <a:ext uri="{91240B29-F687-4f45-9708-019B960494DF}">
-                <a14:hiddenLine xmlns:a14="http://schemas.microsoft.com/office/drawing/2010/main" xmlns="" w="9525">
+                <a14:hiddenLine xmlns="" xmlns:a14="http://schemas.microsoft.com/office/drawing/2010/main" w="9525">
                   <a:solidFill>
                     <a:srgbClr val="000000"/>
                   </a:solidFill>
@@ -2589,7 +2575,7 @@
             </a:ln>
             <a:extLst>
               <a:ext uri="{91240B29-F687-4f45-9708-019B960494DF}">
-                <a14:hiddenLine xmlns:a14="http://schemas.microsoft.com/office/drawing/2010/main" xmlns="" w="9525">
+                <a14:hiddenLine xmlns="" xmlns:a14="http://schemas.microsoft.com/office/drawing/2010/main" w="9525">
                   <a:solidFill>
                     <a:srgbClr val="000000"/>
                   </a:solidFill>
@@ -2679,7 +2665,7 @@
             </a:ln>
             <a:extLst>
               <a:ext uri="{91240B29-F687-4f45-9708-019B960494DF}">
-                <a14:hiddenLine xmlns:a14="http://schemas.microsoft.com/office/drawing/2010/main" xmlns="" w="9525">
+                <a14:hiddenLine xmlns="" xmlns:a14="http://schemas.microsoft.com/office/drawing/2010/main" w="9525">
                   <a:solidFill>
                     <a:srgbClr val="000000"/>
                   </a:solidFill>
@@ -2747,7 +2733,7 @@
             </a:ln>
             <a:extLst>
               <a:ext uri="{91240B29-F687-4f45-9708-019B960494DF}">
-                <a14:hiddenLine xmlns:a14="http://schemas.microsoft.com/office/drawing/2010/main" xmlns="" w="9525">
+                <a14:hiddenLine xmlns="" xmlns:a14="http://schemas.microsoft.com/office/drawing/2010/main" w="9525">
                   <a:solidFill>
                     <a:srgbClr val="000000"/>
                   </a:solidFill>
@@ -2809,7 +2795,7 @@
             </a:ln>
             <a:extLst>
               <a:ext uri="{91240B29-F687-4f45-9708-019B960494DF}">
-                <a14:hiddenLine xmlns:a14="http://schemas.microsoft.com/office/drawing/2010/main" xmlns="" w="9525">
+                <a14:hiddenLine xmlns="" xmlns:a14="http://schemas.microsoft.com/office/drawing/2010/main" w="9525">
                   <a:solidFill>
                     <a:srgbClr val="000000"/>
                   </a:solidFill>
@@ -2899,7 +2885,7 @@
             </a:ln>
             <a:extLst>
               <a:ext uri="{91240B29-F687-4f45-9708-019B960494DF}">
-                <a14:hiddenLine xmlns:a14="http://schemas.microsoft.com/office/drawing/2010/main" xmlns="" w="9525">
+                <a14:hiddenLine xmlns="" xmlns:a14="http://schemas.microsoft.com/office/drawing/2010/main" w="9525">
                   <a:solidFill>
                     <a:srgbClr val="000000"/>
                   </a:solidFill>
@@ -2961,7 +2947,7 @@
             </a:ln>
             <a:extLst>
               <a:ext uri="{91240B29-F687-4f45-9708-019B960494DF}">
-                <a14:hiddenLine xmlns:a14="http://schemas.microsoft.com/office/drawing/2010/main" xmlns="" w="9525">
+                <a14:hiddenLine xmlns="" xmlns:a14="http://schemas.microsoft.com/office/drawing/2010/main" w="9525">
                   <a:solidFill>
                     <a:srgbClr val="000000"/>
                   </a:solidFill>
@@ -3051,7 +3037,7 @@
             </a:ln>
             <a:extLst>
               <a:ext uri="{91240B29-F687-4f45-9708-019B960494DF}">
-                <a14:hiddenLine xmlns:a14="http://schemas.microsoft.com/office/drawing/2010/main" xmlns="" w="9525">
+                <a14:hiddenLine xmlns="" xmlns:a14="http://schemas.microsoft.com/office/drawing/2010/main" w="9525">
                   <a:solidFill>
                     <a:srgbClr val="000000"/>
                   </a:solidFill>
@@ -3113,7 +3099,7 @@
             </a:ln>
             <a:extLst>
               <a:ext uri="{91240B29-F687-4f45-9708-019B960494DF}">
-                <a14:hiddenLine xmlns:a14="http://schemas.microsoft.com/office/drawing/2010/main" xmlns="" w="9525">
+                <a14:hiddenLine xmlns="" xmlns:a14="http://schemas.microsoft.com/office/drawing/2010/main" w="9525">
                   <a:solidFill>
                     <a:srgbClr val="000000"/>
                   </a:solidFill>
@@ -3203,7 +3189,7 @@
             </a:ln>
             <a:extLst>
               <a:ext uri="{91240B29-F687-4f45-9708-019B960494DF}">
-                <a14:hiddenLine xmlns:a14="http://schemas.microsoft.com/office/drawing/2010/main" xmlns="" w="9525">
+                <a14:hiddenLine xmlns="" xmlns:a14="http://schemas.microsoft.com/office/drawing/2010/main" w="9525">
                   <a:solidFill>
                     <a:srgbClr val="000000"/>
                   </a:solidFill>
@@ -3237,7 +3223,7 @@
             </a:ln>
             <a:extLst>
               <a:ext uri="{91240B29-F687-4f45-9708-019B960494DF}">
-                <a14:hiddenLine xmlns:a14="http://schemas.microsoft.com/office/drawing/2010/main" xmlns="" w="9525">
+                <a14:hiddenLine xmlns="" xmlns:a14="http://schemas.microsoft.com/office/drawing/2010/main" w="9525">
                   <a:solidFill>
                     <a:srgbClr val="000000"/>
                   </a:solidFill>
@@ -3302,7 +3288,7 @@
             </a:ln>
             <a:extLst>
               <a:ext uri="{91240B29-F687-4f45-9708-019B960494DF}">
-                <a14:hiddenLine xmlns:a14="http://schemas.microsoft.com/office/drawing/2010/main" xmlns="" w="9525">
+                <a14:hiddenLine xmlns="" xmlns:a14="http://schemas.microsoft.com/office/drawing/2010/main" w="9525">
                   <a:solidFill>
                     <a:srgbClr val="000000"/>
                   </a:solidFill>
@@ -3392,7 +3378,7 @@
             </a:ln>
             <a:extLst>
               <a:ext uri="{91240B29-F687-4f45-9708-019B960494DF}">
-                <a14:hiddenLine xmlns:a14="http://schemas.microsoft.com/office/drawing/2010/main" xmlns="" w="9525">
+                <a14:hiddenLine xmlns="" xmlns:a14="http://schemas.microsoft.com/office/drawing/2010/main" w="9525">
                   <a:solidFill>
                     <a:srgbClr val="000000"/>
                   </a:solidFill>
@@ -3454,7 +3440,7 @@
             </a:ln>
             <a:extLst>
               <a:ext uri="{91240B29-F687-4f45-9708-019B960494DF}">
-                <a14:hiddenLine xmlns:a14="http://schemas.microsoft.com/office/drawing/2010/main" xmlns="" w="9525">
+                <a14:hiddenLine xmlns="" xmlns:a14="http://schemas.microsoft.com/office/drawing/2010/main" w="9525">
                   <a:solidFill>
                     <a:srgbClr val="000000"/>
                   </a:solidFill>
@@ -3544,7 +3530,7 @@
             </a:ln>
             <a:extLst>
               <a:ext uri="{91240B29-F687-4f45-9708-019B960494DF}">
-                <a14:hiddenLine xmlns:a14="http://schemas.microsoft.com/office/drawing/2010/main" xmlns="" w="9525">
+                <a14:hiddenLine xmlns="" xmlns:a14="http://schemas.microsoft.com/office/drawing/2010/main" w="9525">
                   <a:solidFill>
                     <a:srgbClr val="000000"/>
                   </a:solidFill>
@@ -3634,7 +3620,7 @@
             </a:ln>
             <a:extLst>
               <a:ext uri="{91240B29-F687-4f45-9708-019B960494DF}">
-                <a14:hiddenLine xmlns:a14="http://schemas.microsoft.com/office/drawing/2010/main" xmlns="" w="9525">
+                <a14:hiddenLine xmlns="" xmlns:a14="http://schemas.microsoft.com/office/drawing/2010/main" w="9525">
                   <a:solidFill>
                     <a:srgbClr val="000000"/>
                   </a:solidFill>
@@ -3699,7 +3685,7 @@
             </a:ln>
             <a:extLst>
               <a:ext uri="{91240B29-F687-4f45-9708-019B960494DF}">
-                <a14:hiddenLine xmlns:a14="http://schemas.microsoft.com/office/drawing/2010/main" xmlns="" w="9525">
+                <a14:hiddenLine xmlns="" xmlns:a14="http://schemas.microsoft.com/office/drawing/2010/main" w="9525">
                   <a:solidFill>
                     <a:srgbClr val="000000"/>
                   </a:solidFill>
@@ -3761,7 +3747,7 @@
             </a:ln>
             <a:extLst>
               <a:ext uri="{91240B29-F687-4f45-9708-019B960494DF}">
-                <a14:hiddenLine xmlns:a14="http://schemas.microsoft.com/office/drawing/2010/main" xmlns="" w="9525">
+                <a14:hiddenLine xmlns="" xmlns:a14="http://schemas.microsoft.com/office/drawing/2010/main" w="9525">
                   <a:solidFill>
                     <a:srgbClr val="000000"/>
                   </a:solidFill>
@@ -3851,7 +3837,7 @@
             </a:ln>
             <a:extLst>
               <a:ext uri="{91240B29-F687-4f45-9708-019B960494DF}">
-                <a14:hiddenLine xmlns:a14="http://schemas.microsoft.com/office/drawing/2010/main" xmlns="" w="9525">
+                <a14:hiddenLine xmlns="" xmlns:a14="http://schemas.microsoft.com/office/drawing/2010/main" w="9525">
                   <a:solidFill>
                     <a:srgbClr val="000000"/>
                   </a:solidFill>
@@ -3941,7 +3927,7 @@
             </a:ln>
             <a:extLst>
               <a:ext uri="{91240B29-F687-4f45-9708-019B960494DF}">
-                <a14:hiddenLine xmlns:a14="http://schemas.microsoft.com/office/drawing/2010/main" xmlns="" w="9525">
+                <a14:hiddenLine xmlns="" xmlns:a14="http://schemas.microsoft.com/office/drawing/2010/main" w="9525">
                   <a:solidFill>
                     <a:srgbClr val="000000"/>
                   </a:solidFill>
@@ -4003,7 +3989,7 @@
             </a:ln>
             <a:extLst>
               <a:ext uri="{91240B29-F687-4f45-9708-019B960494DF}">
-                <a14:hiddenLine xmlns:a14="http://schemas.microsoft.com/office/drawing/2010/main" xmlns="" w="9525">
+                <a14:hiddenLine xmlns="" xmlns:a14="http://schemas.microsoft.com/office/drawing/2010/main" w="9525">
                   <a:solidFill>
                     <a:srgbClr val="000000"/>
                   </a:solidFill>
@@ -4123,7 +4109,7 @@
             </a:ln>
             <a:extLst>
               <a:ext uri="{91240B29-F687-4f45-9708-019B960494DF}">
-                <a14:hiddenLine xmlns:a14="http://schemas.microsoft.com/office/drawing/2010/main" xmlns="" w="9525">
+                <a14:hiddenLine xmlns="" xmlns:a14="http://schemas.microsoft.com/office/drawing/2010/main" w="9525">
                   <a:solidFill>
                     <a:srgbClr val="000000"/>
                   </a:solidFill>
@@ -4191,7 +4177,7 @@
             </a:ln>
             <a:extLst>
               <a:ext uri="{91240B29-F687-4f45-9708-019B960494DF}">
-                <a14:hiddenLine xmlns:a14="http://schemas.microsoft.com/office/drawing/2010/main" xmlns="" w="9525">
+                <a14:hiddenLine xmlns="" xmlns:a14="http://schemas.microsoft.com/office/drawing/2010/main" w="9525">
                   <a:solidFill>
                     <a:srgbClr val="000000"/>
                   </a:solidFill>
@@ -4281,7 +4267,7 @@
             </a:ln>
             <a:extLst>
               <a:ext uri="{91240B29-F687-4f45-9708-019B960494DF}">
-                <a14:hiddenLine xmlns:a14="http://schemas.microsoft.com/office/drawing/2010/main" xmlns="" w="9525">
+                <a14:hiddenLine xmlns="" xmlns:a14="http://schemas.microsoft.com/office/drawing/2010/main" w="9525">
                   <a:solidFill>
                     <a:srgbClr val="000000"/>
                   </a:solidFill>
@@ -9088,7 +9074,7 @@
           <a:noFill/>
           <a:extLst>
             <a:ext uri="{909E8E84-426E-40dd-AFC4-6F175D3DCCD1}">
-              <a14:hiddenFill xmlns:a14="http://schemas.microsoft.com/office/drawing/2010/main" xmlns="">
+              <a14:hiddenFill xmlns="" xmlns:a14="http://schemas.microsoft.com/office/drawing/2010/main">
                 <a:solidFill>
                   <a:srgbClr val="FFFFFF"/>
                 </a:solidFill>
@@ -9162,7 +9148,7 @@
               </a:ln>
               <a:extLst>
                 <a:ext uri="{91240B29-F687-4f45-9708-019B960494DF}">
-                  <a14:hiddenLine xmlns:a14="http://schemas.microsoft.com/office/drawing/2010/main" xmlns="" w="9525">
+                  <a14:hiddenLine xmlns="" xmlns:a14="http://schemas.microsoft.com/office/drawing/2010/main" w="9525">
                     <a:solidFill>
                       <a:srgbClr val="000000"/>
                     </a:solidFill>
@@ -9252,7 +9238,7 @@
               </a:ln>
               <a:extLst>
                 <a:ext uri="{91240B29-F687-4f45-9708-019B960494DF}">
-                  <a14:hiddenLine xmlns:a14="http://schemas.microsoft.com/office/drawing/2010/main" xmlns="" w="9525">
+                  <a14:hiddenLine xmlns="" xmlns:a14="http://schemas.microsoft.com/office/drawing/2010/main" w="9525">
                     <a:solidFill>
                       <a:srgbClr val="000000"/>
                     </a:solidFill>
@@ -9342,7 +9328,7 @@
               </a:ln>
               <a:extLst>
                 <a:ext uri="{91240B29-F687-4f45-9708-019B960494DF}">
-                  <a14:hiddenLine xmlns:a14="http://schemas.microsoft.com/office/drawing/2010/main" xmlns="" w="9525">
+                  <a14:hiddenLine xmlns="" xmlns:a14="http://schemas.microsoft.com/office/drawing/2010/main" w="9525">
                     <a:solidFill>
                       <a:srgbClr val="000000"/>
                     </a:solidFill>
@@ -9404,7 +9390,7 @@
               </a:ln>
               <a:extLst>
                 <a:ext uri="{91240B29-F687-4f45-9708-019B960494DF}">
-                  <a14:hiddenLine xmlns:a14="http://schemas.microsoft.com/office/drawing/2010/main" xmlns="" w="9525">
+                  <a14:hiddenLine xmlns="" xmlns:a14="http://schemas.microsoft.com/office/drawing/2010/main" w="9525">
                     <a:solidFill>
                       <a:srgbClr val="000000"/>
                     </a:solidFill>
@@ -9494,7 +9480,7 @@
               </a:ln>
               <a:extLst>
                 <a:ext uri="{91240B29-F687-4f45-9708-019B960494DF}">
-                  <a14:hiddenLine xmlns:a14="http://schemas.microsoft.com/office/drawing/2010/main" xmlns="" w="9525">
+                  <a14:hiddenLine xmlns="" xmlns:a14="http://schemas.microsoft.com/office/drawing/2010/main" w="9525">
                     <a:solidFill>
                       <a:srgbClr val="000000"/>
                     </a:solidFill>
@@ -9556,7 +9542,7 @@
               </a:ln>
               <a:extLst>
                 <a:ext uri="{91240B29-F687-4f45-9708-019B960494DF}">
-                  <a14:hiddenLine xmlns:a14="http://schemas.microsoft.com/office/drawing/2010/main" xmlns="" w="9525">
+                  <a14:hiddenLine xmlns="" xmlns:a14="http://schemas.microsoft.com/office/drawing/2010/main" w="9525">
                     <a:solidFill>
                       <a:srgbClr val="000000"/>
                     </a:solidFill>
@@ -9618,7 +9604,7 @@
               </a:ln>
               <a:extLst>
                 <a:ext uri="{91240B29-F687-4f45-9708-019B960494DF}">
-                  <a14:hiddenLine xmlns:a14="http://schemas.microsoft.com/office/drawing/2010/main" xmlns="" w="9525">
+                  <a14:hiddenLine xmlns="" xmlns:a14="http://schemas.microsoft.com/office/drawing/2010/main" w="9525">
                     <a:solidFill>
                       <a:srgbClr val="000000"/>
                     </a:solidFill>
@@ -9708,7 +9694,7 @@
               </a:ln>
               <a:extLst>
                 <a:ext uri="{91240B29-F687-4f45-9708-019B960494DF}">
-                  <a14:hiddenLine xmlns:a14="http://schemas.microsoft.com/office/drawing/2010/main" xmlns="" w="9525">
+                  <a14:hiddenLine xmlns="" xmlns:a14="http://schemas.microsoft.com/office/drawing/2010/main" w="9525">
                     <a:solidFill>
                       <a:srgbClr val="000000"/>
                     </a:solidFill>
@@ -9798,7 +9784,7 @@
               </a:ln>
               <a:extLst>
                 <a:ext uri="{91240B29-F687-4f45-9708-019B960494DF}">
-                  <a14:hiddenLine xmlns:a14="http://schemas.microsoft.com/office/drawing/2010/main" xmlns="" w="9525">
+                  <a14:hiddenLine xmlns="" xmlns:a14="http://schemas.microsoft.com/office/drawing/2010/main" w="9525">
                     <a:solidFill>
                       <a:srgbClr val="000000"/>
                     </a:solidFill>
@@ -9860,7 +9846,7 @@
               </a:ln>
               <a:extLst>
                 <a:ext uri="{91240B29-F687-4f45-9708-019B960494DF}">
-                  <a14:hiddenLine xmlns:a14="http://schemas.microsoft.com/office/drawing/2010/main" xmlns="" w="9525">
+                  <a14:hiddenLine xmlns="" xmlns:a14="http://schemas.microsoft.com/office/drawing/2010/main" w="9525">
                     <a:solidFill>
                       <a:srgbClr val="000000"/>
                     </a:solidFill>
@@ -9970,7 +9956,7 @@
               </a:ln>
               <a:extLst>
                 <a:ext uri="{91240B29-F687-4f45-9708-019B960494DF}">
-                  <a14:hiddenLine xmlns:a14="http://schemas.microsoft.com/office/drawing/2010/main" xmlns="" w="9525">
+                  <a14:hiddenLine xmlns="" xmlns:a14="http://schemas.microsoft.com/office/drawing/2010/main" w="9525">
                     <a:solidFill>
                       <a:srgbClr val="000000"/>
                     </a:solidFill>
@@ -10054,7 +10040,7 @@
               </a:ln>
               <a:extLst>
                 <a:ext uri="{91240B29-F687-4f45-9708-019B960494DF}">
-                  <a14:hiddenLine xmlns:a14="http://schemas.microsoft.com/office/drawing/2010/main" xmlns="" w="9525">
+                  <a14:hiddenLine xmlns="" xmlns:a14="http://schemas.microsoft.com/office/drawing/2010/main" w="9525">
                     <a:solidFill>
                       <a:srgbClr val="000000"/>
                     </a:solidFill>
@@ -10116,7 +10102,7 @@
               </a:ln>
               <a:extLst>
                 <a:ext uri="{91240B29-F687-4f45-9708-019B960494DF}">
-                  <a14:hiddenLine xmlns:a14="http://schemas.microsoft.com/office/drawing/2010/main" xmlns="" w="9525">
+                  <a14:hiddenLine xmlns="" xmlns:a14="http://schemas.microsoft.com/office/drawing/2010/main" w="9525">
                     <a:solidFill>
                       <a:srgbClr val="000000"/>
                     </a:solidFill>
@@ -10178,7 +10164,7 @@
               </a:ln>
               <a:extLst>
                 <a:ext uri="{91240B29-F687-4f45-9708-019B960494DF}">
-                  <a14:hiddenLine xmlns:a14="http://schemas.microsoft.com/office/drawing/2010/main" xmlns="" w="9525">
+                  <a14:hiddenLine xmlns="" xmlns:a14="http://schemas.microsoft.com/office/drawing/2010/main" w="9525">
                     <a:solidFill>
                       <a:srgbClr val="000000"/>
                     </a:solidFill>
@@ -10268,7 +10254,7 @@
               </a:ln>
               <a:extLst>
                 <a:ext uri="{91240B29-F687-4f45-9708-019B960494DF}">
-                  <a14:hiddenLine xmlns:a14="http://schemas.microsoft.com/office/drawing/2010/main" xmlns="" w="9525">
+                  <a14:hiddenLine xmlns="" xmlns:a14="http://schemas.microsoft.com/office/drawing/2010/main" w="9525">
                     <a:solidFill>
                       <a:srgbClr val="000000"/>
                     </a:solidFill>
@@ -10302,7 +10288,7 @@
               </a:ln>
               <a:extLst>
                 <a:ext uri="{91240B29-F687-4f45-9708-019B960494DF}">
-                  <a14:hiddenLine xmlns:a14="http://schemas.microsoft.com/office/drawing/2010/main" xmlns="" w="9525">
+                  <a14:hiddenLine xmlns="" xmlns:a14="http://schemas.microsoft.com/office/drawing/2010/main" w="9525">
                     <a:solidFill>
                       <a:srgbClr val="000000"/>
                     </a:solidFill>
@@ -10367,7 +10353,7 @@
               </a:ln>
               <a:extLst>
                 <a:ext uri="{91240B29-F687-4f45-9708-019B960494DF}">
-                  <a14:hiddenLine xmlns:a14="http://schemas.microsoft.com/office/drawing/2010/main" xmlns="" w="9525">
+                  <a14:hiddenLine xmlns="" xmlns:a14="http://schemas.microsoft.com/office/drawing/2010/main" w="9525">
                     <a:solidFill>
                       <a:srgbClr val="000000"/>
                     </a:solidFill>
@@ -10457,7 +10443,7 @@
               </a:ln>
               <a:extLst>
                 <a:ext uri="{91240B29-F687-4f45-9708-019B960494DF}">
-                  <a14:hiddenLine xmlns:a14="http://schemas.microsoft.com/office/drawing/2010/main" xmlns="" w="9525">
+                  <a14:hiddenLine xmlns="" xmlns:a14="http://schemas.microsoft.com/office/drawing/2010/main" w="9525">
                     <a:solidFill>
                       <a:srgbClr val="000000"/>
                     </a:solidFill>
@@ -10519,7 +10505,7 @@
               </a:ln>
               <a:extLst>
                 <a:ext uri="{91240B29-F687-4f45-9708-019B960494DF}">
-                  <a14:hiddenLine xmlns:a14="http://schemas.microsoft.com/office/drawing/2010/main" xmlns="" w="9525">
+                  <a14:hiddenLine xmlns="" xmlns:a14="http://schemas.microsoft.com/office/drawing/2010/main" w="9525">
                     <a:solidFill>
                       <a:srgbClr val="000000"/>
                     </a:solidFill>
@@ -10609,7 +10595,7 @@
               </a:ln>
               <a:extLst>
                 <a:ext uri="{91240B29-F687-4f45-9708-019B960494DF}">
-                  <a14:hiddenLine xmlns:a14="http://schemas.microsoft.com/office/drawing/2010/main" xmlns="" w="9525">
+                  <a14:hiddenLine xmlns="" xmlns:a14="http://schemas.microsoft.com/office/drawing/2010/main" w="9525">
                     <a:solidFill>
                       <a:srgbClr val="000000"/>
                     </a:solidFill>
@@ -10674,7 +10660,7 @@
               </a:ln>
               <a:extLst>
                 <a:ext uri="{91240B29-F687-4f45-9708-019B960494DF}">
-                  <a14:hiddenLine xmlns:a14="http://schemas.microsoft.com/office/drawing/2010/main" xmlns="" w="9525">
+                  <a14:hiddenLine xmlns="" xmlns:a14="http://schemas.microsoft.com/office/drawing/2010/main" w="9525">
                     <a:solidFill>
                       <a:srgbClr val="000000"/>
                     </a:solidFill>
@@ -10736,7 +10722,7 @@
               </a:ln>
               <a:extLst>
                 <a:ext uri="{91240B29-F687-4f45-9708-019B960494DF}">
-                  <a14:hiddenLine xmlns:a14="http://schemas.microsoft.com/office/drawing/2010/main" xmlns="" w="9525">
+                  <a14:hiddenLine xmlns="" xmlns:a14="http://schemas.microsoft.com/office/drawing/2010/main" w="9525">
                     <a:solidFill>
                       <a:srgbClr val="000000"/>
                     </a:solidFill>
@@ -10826,7 +10812,7 @@
               </a:ln>
               <a:extLst>
                 <a:ext uri="{91240B29-F687-4f45-9708-019B960494DF}">
-                  <a14:hiddenLine xmlns:a14="http://schemas.microsoft.com/office/drawing/2010/main" xmlns="" w="9525">
+                  <a14:hiddenLine xmlns="" xmlns:a14="http://schemas.microsoft.com/office/drawing/2010/main" w="9525">
                     <a:solidFill>
                       <a:srgbClr val="000000"/>
                     </a:solidFill>
@@ -10916,7 +10902,7 @@
               </a:ln>
               <a:extLst>
                 <a:ext uri="{91240B29-F687-4f45-9708-019B960494DF}">
-                  <a14:hiddenLine xmlns:a14="http://schemas.microsoft.com/office/drawing/2010/main" xmlns="" w="9525">
+                  <a14:hiddenLine xmlns="" xmlns:a14="http://schemas.microsoft.com/office/drawing/2010/main" w="9525">
                     <a:solidFill>
                       <a:srgbClr val="000000"/>
                     </a:solidFill>
@@ -10981,7 +10967,7 @@
               </a:ln>
               <a:extLst>
                 <a:ext uri="{91240B29-F687-4f45-9708-019B960494DF}">
-                  <a14:hiddenLine xmlns:a14="http://schemas.microsoft.com/office/drawing/2010/main" xmlns="" w="9525">
+                  <a14:hiddenLine xmlns="" xmlns:a14="http://schemas.microsoft.com/office/drawing/2010/main" w="9525">
                     <a:solidFill>
                       <a:srgbClr val="000000"/>
                     </a:solidFill>
@@ -11101,7 +11087,7 @@
               </a:ln>
               <a:extLst>
                 <a:ext uri="{91240B29-F687-4f45-9708-019B960494DF}">
-                  <a14:hiddenLine xmlns:a14="http://schemas.microsoft.com/office/drawing/2010/main" xmlns="" w="9525">
+                  <a14:hiddenLine xmlns="" xmlns:a14="http://schemas.microsoft.com/office/drawing/2010/main" w="9525">
                     <a:solidFill>
                       <a:srgbClr val="000000"/>
                     </a:solidFill>
@@ -11199,7 +11185,7 @@
               </a:ln>
               <a:extLst>
                 <a:ext uri="{91240B29-F687-4f45-9708-019B960494DF}">
-                  <a14:hiddenLine xmlns:a14="http://schemas.microsoft.com/office/drawing/2010/main" xmlns="" w="9525">
+                  <a14:hiddenLine xmlns="" xmlns:a14="http://schemas.microsoft.com/office/drawing/2010/main" w="9525">
                     <a:solidFill>
                       <a:srgbClr val="000000"/>
                     </a:solidFill>
@@ -11314,7 +11300,7 @@
               </a:ln>
               <a:extLst>
                 <a:ext uri="{91240B29-F687-4f45-9708-019B960494DF}">
-                  <a14:hiddenLine xmlns:a14="http://schemas.microsoft.com/office/drawing/2010/main" xmlns="" w="9525">
+                  <a14:hiddenLine xmlns="" xmlns:a14="http://schemas.microsoft.com/office/drawing/2010/main" w="9525">
                     <a:solidFill>
                       <a:srgbClr val="000000"/>
                     </a:solidFill>
@@ -11404,7 +11390,7 @@
               </a:ln>
               <a:extLst>
                 <a:ext uri="{91240B29-F687-4f45-9708-019B960494DF}">
-                  <a14:hiddenLine xmlns:a14="http://schemas.microsoft.com/office/drawing/2010/main" xmlns="" w="9525">
+                  <a14:hiddenLine xmlns="" xmlns:a14="http://schemas.microsoft.com/office/drawing/2010/main" w="9525">
                     <a:solidFill>
                       <a:srgbClr val="000000"/>
                     </a:solidFill>
@@ -11469,7 +11455,7 @@
               </a:ln>
               <a:extLst>
                 <a:ext uri="{91240B29-F687-4f45-9708-019B960494DF}">
-                  <a14:hiddenLine xmlns:a14="http://schemas.microsoft.com/office/drawing/2010/main" xmlns="" w="9525">
+                  <a14:hiddenLine xmlns="" xmlns:a14="http://schemas.microsoft.com/office/drawing/2010/main" w="9525">
                     <a:solidFill>
                       <a:srgbClr val="000000"/>
                     </a:solidFill>
@@ -11559,7 +11545,7 @@
               </a:ln>
               <a:extLst>
                 <a:ext uri="{91240B29-F687-4f45-9708-019B960494DF}">
-                  <a14:hiddenLine xmlns:a14="http://schemas.microsoft.com/office/drawing/2010/main" xmlns="" w="9525">
+                  <a14:hiddenLine xmlns="" xmlns:a14="http://schemas.microsoft.com/office/drawing/2010/main" w="9525">
                     <a:solidFill>
                       <a:srgbClr val="000000"/>
                     </a:solidFill>
@@ -11627,7 +11613,7 @@
               </a:ln>
               <a:extLst>
                 <a:ext uri="{91240B29-F687-4f45-9708-019B960494DF}">
-                  <a14:hiddenLine xmlns:a14="http://schemas.microsoft.com/office/drawing/2010/main" xmlns="" w="9525">
+                  <a14:hiddenLine xmlns="" xmlns:a14="http://schemas.microsoft.com/office/drawing/2010/main" w="9525">
                     <a:solidFill>
                       <a:srgbClr val="000000"/>
                     </a:solidFill>
@@ -11717,7 +11703,7 @@
               </a:ln>
               <a:extLst>
                 <a:ext uri="{91240B29-F687-4f45-9708-019B960494DF}">
-                  <a14:hiddenLine xmlns:a14="http://schemas.microsoft.com/office/drawing/2010/main" xmlns="" w="9525">
+                  <a14:hiddenLine xmlns="" xmlns:a14="http://schemas.microsoft.com/office/drawing/2010/main" w="9525">
                     <a:solidFill>
                       <a:srgbClr val="000000"/>
                     </a:solidFill>
@@ -11785,7 +11771,7 @@
               </a:ln>
               <a:extLst>
                 <a:ext uri="{91240B29-F687-4f45-9708-019B960494DF}">
-                  <a14:hiddenLine xmlns:a14="http://schemas.microsoft.com/office/drawing/2010/main" xmlns="" w="9525">
+                  <a14:hiddenLine xmlns="" xmlns:a14="http://schemas.microsoft.com/office/drawing/2010/main" w="9525">
                     <a:solidFill>
                       <a:srgbClr val="000000"/>
                     </a:solidFill>
@@ -11875,7 +11861,7 @@
               </a:ln>
               <a:extLst>
                 <a:ext uri="{91240B29-F687-4f45-9708-019B960494DF}">
-                  <a14:hiddenLine xmlns:a14="http://schemas.microsoft.com/office/drawing/2010/main" xmlns="" w="9525">
+                  <a14:hiddenLine xmlns="" xmlns:a14="http://schemas.microsoft.com/office/drawing/2010/main" w="9525">
                     <a:solidFill>
                       <a:srgbClr val="000000"/>
                     </a:solidFill>
@@ -11909,7 +11895,7 @@
               </a:ln>
               <a:extLst>
                 <a:ext uri="{91240B29-F687-4f45-9708-019B960494DF}">
-                  <a14:hiddenLine xmlns:a14="http://schemas.microsoft.com/office/drawing/2010/main" xmlns="" w="9525">
+                  <a14:hiddenLine xmlns="" xmlns:a14="http://schemas.microsoft.com/office/drawing/2010/main" w="9525">
                     <a:solidFill>
                       <a:srgbClr val="000000"/>
                     </a:solidFill>
@@ -13312,7 +13298,12 @@
             <p:ph type="title"/>
           </p:nvPr>
         </p:nvSpPr>
-        <p:spPr/>
+        <p:spPr>
+          <a:xfrm>
+            <a:off x="1141413" y="618518"/>
+            <a:ext cx="9905998" cy="1164562"/>
+          </a:xfrm>
+        </p:spPr>
         <p:txBody>
           <a:bodyPr>
             <a:normAutofit/>
@@ -13321,12 +13312,16 @@
           <a:p>
             <a:pPr algn="ctr"/>
             <a:r>
-              <a:rPr lang="ru-RU" sz="2800" dirty="0">
+              <a:rPr lang="ru-RU" sz="2800" cap="none" dirty="0" smtClean="0">
                 <a:latin typeface="Arial" panose="020B0604020202020204" pitchFamily="34" charset="0"/>
                 <a:cs typeface="Arial" panose="020B0604020202020204" pitchFamily="34" charset="0"/>
               </a:rPr>
               <a:t>Первый уровень</a:t>
             </a:r>
+            <a:endParaRPr lang="ru-RU" sz="2800" cap="none" dirty="0">
+              <a:latin typeface="Arial" panose="020B0604020202020204" pitchFamily="34" charset="0"/>
+              <a:cs typeface="Arial" panose="020B0604020202020204" pitchFamily="34" charset="0"/>
+            </a:endParaRPr>
           </a:p>
         </p:txBody>
       </p:sp>
@@ -13359,7 +13354,7 @@
         </p:blipFill>
         <p:spPr>
           <a:xfrm>
-            <a:off x="3431622" y="2097088"/>
+            <a:off x="3588197" y="1694752"/>
             <a:ext cx="5012430" cy="4361464"/>
           </a:xfrm>
         </p:spPr>
@@ -13410,16 +13405,22 @@
             <p:ph type="title"/>
           </p:nvPr>
         </p:nvSpPr>
-        <p:spPr/>
+        <p:spPr>
+          <a:xfrm>
+            <a:off x="1141413" y="618518"/>
+            <a:ext cx="9905998" cy="1045690"/>
+          </a:xfrm>
+        </p:spPr>
         <p:txBody>
           <a:bodyPr/>
           <a:lstStyle/>
           <a:p>
             <a:pPr algn="ctr"/>
             <a:r>
-              <a:rPr lang="ru-RU" dirty="0"/>
-              <a:t>Второй Уровень</a:t>
+              <a:rPr lang="ru-RU" cap="none" dirty="0" smtClean="0"/>
+              <a:t>Второй уровень</a:t>
             </a:r>
+            <a:endParaRPr lang="ru-RU" cap="none" dirty="0"/>
           </a:p>
         </p:txBody>
       </p:sp>
@@ -13452,7 +13453,7 @@
         </p:blipFill>
         <p:spPr>
           <a:xfrm>
-            <a:off x="3298273" y="2002595"/>
+            <a:off x="3416992" y="1517963"/>
             <a:ext cx="5354839" cy="4731408"/>
           </a:xfrm>
         </p:spPr>
@@ -13503,16 +13504,22 @@
             <p:ph type="title"/>
           </p:nvPr>
         </p:nvSpPr>
-        <p:spPr/>
+        <p:spPr>
+          <a:xfrm>
+            <a:off x="1141413" y="618518"/>
+            <a:ext cx="9905998" cy="963394"/>
+          </a:xfrm>
+        </p:spPr>
         <p:txBody>
           <a:bodyPr/>
           <a:lstStyle/>
           <a:p>
             <a:pPr algn="ctr"/>
             <a:r>
-              <a:rPr lang="ru-RU"/>
+              <a:rPr lang="ru-RU" cap="none" dirty="0" smtClean="0"/>
               <a:t>Третий уровень</a:t>
             </a:r>
+            <a:endParaRPr lang="ru-RU" cap="none" dirty="0"/>
           </a:p>
         </p:txBody>
       </p:sp>
@@ -13545,7 +13552,7 @@
         </p:blipFill>
         <p:spPr>
           <a:xfrm>
-            <a:off x="3541295" y="2097088"/>
+            <a:off x="3539707" y="1481328"/>
             <a:ext cx="5109410" cy="4622800"/>
           </a:xfrm>
         </p:spPr>

--- a/Презентация по проекту.pptx
+++ b/Презентация по проекту.pptx
@@ -13321,7 +13321,7 @@
           <a:p>
             <a:pPr algn="ctr"/>
             <a:r>
-              <a:rPr lang="ru-RU" sz="2800" dirty="0">
+              <a:rPr lang="ru-RU" sz="2800" cap="none" dirty="0">
                 <a:latin typeface="Arial" panose="020B0604020202020204" pitchFamily="34" charset="0"/>
                 <a:cs typeface="Arial" panose="020B0604020202020204" pitchFamily="34" charset="0"/>
               </a:rPr>
@@ -13417,8 +13417,8 @@
           <a:p>
             <a:pPr algn="ctr"/>
             <a:r>
-              <a:rPr lang="ru-RU" dirty="0"/>
-              <a:t>Второй Уровень</a:t>
+              <a:rPr lang="ru-RU" cap="none" dirty="0"/>
+              <a:t>Второй уровень</a:t>
             </a:r>
           </a:p>
         </p:txBody>
@@ -13510,7 +13510,7 @@
           <a:p>
             <a:pPr algn="ctr"/>
             <a:r>
-              <a:rPr lang="ru-RU"/>
+              <a:rPr lang="ru-RU" cap="none" dirty="0"/>
               <a:t>Третий уровень</a:t>
             </a:r>
           </a:p>

--- a/Презентация по проекту.pptx
+++ b/Презентация по проекту.pptx
@@ -12623,7 +12623,7 @@
                 <a:effectLst/>
                 <a:latin typeface="YS Text"/>
               </a:rPr>
-              <a:t> Д.А</a:t>
+              <a:t> Д.А.</a:t>
             </a:r>
           </a:p>
           <a:p>
@@ -12837,7 +12837,7 @@
                 <a:ea typeface="Calibri" panose="020F0502020204030204" pitchFamily="34" charset="0"/>
                 <a:cs typeface="Times New Roman" panose="02020603050405020304" pitchFamily="18" charset="0"/>
               </a:rPr>
-              <a:t> для совместная работы над кодом</a:t>
+              <a:t> для совместной работы над кодом</a:t>
             </a:r>
             <a:endParaRPr lang="ru-RU" sz="1800" dirty="0">
               <a:effectLst/>
